--- a/Evaluating DDIMs in New Domains.pptx
+++ b/Evaluating DDIMs in New Domains.pptx
@@ -107,6 +107,11 @@
       </a:defRPr>
     </a:lvl9pPr>
   </p:defaultTextStyle>
+  <p:extLst>
+    <p:ext uri="{EFAFB233-063F-42B5-8137-9DF3F51BA10A}">
+      <p15:sldGuideLst xmlns:p15="http://schemas.microsoft.com/office/powerpoint/2012/main"/>
+    </p:ext>
+  </p:extLst>
 </p:presentation>
 </file>
 
@@ -257,7 +262,7 @@
           <a:p>
             <a:fld id="{A53D0CF4-1CA0-4C2A-8220-83BA371E72A4}" type="datetimeFigureOut">
               <a:rPr lang="en-US" smtClean="0"/>
-              <a:t>11/29/2025</a:t>
+              <a:t>12/3/25</a:t>
             </a:fld>
             <a:endParaRPr lang="en-US"/>
           </a:p>
@@ -455,7 +460,7 @@
           <a:p>
             <a:fld id="{A53D0CF4-1CA0-4C2A-8220-83BA371E72A4}" type="datetimeFigureOut">
               <a:rPr lang="en-US" smtClean="0"/>
-              <a:t>11/29/2025</a:t>
+              <a:t>12/3/25</a:t>
             </a:fld>
             <a:endParaRPr lang="en-US"/>
           </a:p>
@@ -663,7 +668,7 @@
           <a:p>
             <a:fld id="{A53D0CF4-1CA0-4C2A-8220-83BA371E72A4}" type="datetimeFigureOut">
               <a:rPr lang="en-US" smtClean="0"/>
-              <a:t>11/29/2025</a:t>
+              <a:t>12/3/25</a:t>
             </a:fld>
             <a:endParaRPr lang="en-US"/>
           </a:p>
@@ -861,7 +866,7 @@
           <a:p>
             <a:fld id="{A53D0CF4-1CA0-4C2A-8220-83BA371E72A4}" type="datetimeFigureOut">
               <a:rPr lang="en-US" smtClean="0"/>
-              <a:t>11/29/2025</a:t>
+              <a:t>12/3/25</a:t>
             </a:fld>
             <a:endParaRPr lang="en-US"/>
           </a:p>
@@ -1136,7 +1141,7 @@
           <a:p>
             <a:fld id="{A53D0CF4-1CA0-4C2A-8220-83BA371E72A4}" type="datetimeFigureOut">
               <a:rPr lang="en-US" smtClean="0"/>
-              <a:t>11/29/2025</a:t>
+              <a:t>12/3/25</a:t>
             </a:fld>
             <a:endParaRPr lang="en-US"/>
           </a:p>
@@ -1401,7 +1406,7 @@
           <a:p>
             <a:fld id="{A53D0CF4-1CA0-4C2A-8220-83BA371E72A4}" type="datetimeFigureOut">
               <a:rPr lang="en-US" smtClean="0"/>
-              <a:t>11/29/2025</a:t>
+              <a:t>12/3/25</a:t>
             </a:fld>
             <a:endParaRPr lang="en-US"/>
           </a:p>
@@ -1813,7 +1818,7 @@
           <a:p>
             <a:fld id="{A53D0CF4-1CA0-4C2A-8220-83BA371E72A4}" type="datetimeFigureOut">
               <a:rPr lang="en-US" smtClean="0"/>
-              <a:t>11/29/2025</a:t>
+              <a:t>12/3/25</a:t>
             </a:fld>
             <a:endParaRPr lang="en-US"/>
           </a:p>
@@ -1954,7 +1959,7 @@
           <a:p>
             <a:fld id="{A53D0CF4-1CA0-4C2A-8220-83BA371E72A4}" type="datetimeFigureOut">
               <a:rPr lang="en-US" smtClean="0"/>
-              <a:t>11/29/2025</a:t>
+              <a:t>12/3/25</a:t>
             </a:fld>
             <a:endParaRPr lang="en-US"/>
           </a:p>
@@ -2067,7 +2072,7 @@
           <a:p>
             <a:fld id="{A53D0CF4-1CA0-4C2A-8220-83BA371E72A4}" type="datetimeFigureOut">
               <a:rPr lang="en-US" smtClean="0"/>
-              <a:t>11/29/2025</a:t>
+              <a:t>12/3/25</a:t>
             </a:fld>
             <a:endParaRPr lang="en-US"/>
           </a:p>
@@ -2378,7 +2383,7 @@
           <a:p>
             <a:fld id="{A53D0CF4-1CA0-4C2A-8220-83BA371E72A4}" type="datetimeFigureOut">
               <a:rPr lang="en-US" smtClean="0"/>
-              <a:t>11/29/2025</a:t>
+              <a:t>12/3/25</a:t>
             </a:fld>
             <a:endParaRPr lang="en-US"/>
           </a:p>
@@ -2666,7 +2671,7 @@
           <a:p>
             <a:fld id="{A53D0CF4-1CA0-4C2A-8220-83BA371E72A4}" type="datetimeFigureOut">
               <a:rPr lang="en-US" smtClean="0"/>
-              <a:t>11/29/2025</a:t>
+              <a:t>12/3/25</a:t>
             </a:fld>
             <a:endParaRPr lang="en-US"/>
           </a:p>
@@ -2907,7 +2912,7 @@
           <a:p>
             <a:fld id="{A53D0CF4-1CA0-4C2A-8220-83BA371E72A4}" type="datetimeFigureOut">
               <a:rPr lang="en-US" smtClean="0"/>
-              <a:t>11/29/2025</a:t>
+              <a:t>12/3/25</a:t>
             </a:fld>
             <a:endParaRPr lang="en-US"/>
           </a:p>
@@ -3522,8 +3527,13 @@
           <a:p>
             <a:r>
               <a:rPr lang="en-US" dirty="0"/>
-              <a:t>Experiment 1 – Colored Dataset</a:t>
-            </a:r>
+              <a:t>Experiment 1 – </a:t>
+            </a:r>
+            <a:r>
+              <a:rPr lang="en-US"/>
+              <a:t>Colored Dataset – Flowers</a:t>
+            </a:r>
+            <a:endParaRPr lang="en-US" dirty="0"/>
           </a:p>
         </p:txBody>
       </p:sp>
@@ -3557,7 +3567,15 @@
             <a:endParaRPr lang="en-US" dirty="0"/>
           </a:p>
           <a:p>
-            <a:pPr lvl="1"/>
+            <a:endParaRPr lang="en-US" dirty="0"/>
+          </a:p>
+          <a:p>
+            <a:r>
+              <a:rPr lang="en-US" dirty="0"/>
+              <a:t>WGAN</a:t>
+            </a:r>
+          </a:p>
+          <a:p>
             <a:endParaRPr lang="en-US" dirty="0"/>
           </a:p>
           <a:p>
@@ -3581,13 +3599,162 @@
           <p:nvPr>
             <p:extLst>
               <p:ext uri="{D42A27DB-BD31-4B8C-83A1-F6EECF244321}">
-                <p14:modId xmlns:p14="http://schemas.microsoft.com/office/powerpoint/2010/main" val="2825599056"/>
+                <p14:modId xmlns:p14="http://schemas.microsoft.com/office/powerpoint/2010/main" val="1687958981"/>
               </p:ext>
             </p:extLst>
           </p:nvPr>
         </p:nvGraphicFramePr>
         <p:xfrm>
           <a:off x="838200" y="2424898"/>
+          <a:ext cx="8127999" cy="741680"/>
+        </p:xfrm>
+        <a:graphic>
+          <a:graphicData uri="http://schemas.openxmlformats.org/drawingml/2006/table">
+            <a:tbl>
+              <a:tblPr firstRow="1" bandRow="1">
+                <a:tableStyleId>{5C22544A-7EE6-4342-B048-85BDC9FD1C3A}</a:tableStyleId>
+              </a:tblPr>
+              <a:tblGrid>
+                <a:gridCol w="2709333">
+                  <a:extLst>
+                    <a:ext uri="{9D8B030D-6E8A-4147-A177-3AD203B41FA5}">
+                      <a16:colId xmlns:a16="http://schemas.microsoft.com/office/drawing/2014/main" val="3909082479"/>
+                    </a:ext>
+                  </a:extLst>
+                </a:gridCol>
+                <a:gridCol w="2709333">
+                  <a:extLst>
+                    <a:ext uri="{9D8B030D-6E8A-4147-A177-3AD203B41FA5}">
+                      <a16:colId xmlns:a16="http://schemas.microsoft.com/office/drawing/2014/main" val="1723363952"/>
+                    </a:ext>
+                  </a:extLst>
+                </a:gridCol>
+                <a:gridCol w="2709333">
+                  <a:extLst>
+                    <a:ext uri="{9D8B030D-6E8A-4147-A177-3AD203B41FA5}">
+                      <a16:colId xmlns:a16="http://schemas.microsoft.com/office/drawing/2014/main" val="635628647"/>
+                    </a:ext>
+                  </a:extLst>
+                </a:gridCol>
+              </a:tblGrid>
+              <a:tr h="370840">
+                <a:tc>
+                  <a:txBody>
+                    <a:bodyPr/>
+                    <a:lstStyle/>
+                    <a:p>
+                      <a:r>
+                        <a:rPr lang="en-US" dirty="0"/>
+                        <a:t>Average Sampling</a:t>
+                      </a:r>
+                    </a:p>
+                  </a:txBody>
+                  <a:tcPr/>
+                </a:tc>
+                <a:tc>
+                  <a:txBody>
+                    <a:bodyPr/>
+                    <a:lstStyle/>
+                    <a:p>
+                      <a:r>
+                        <a:rPr lang="en-US" dirty="0"/>
+                        <a:t>Average Training</a:t>
+                      </a:r>
+                    </a:p>
+                  </a:txBody>
+                  <a:tcPr/>
+                </a:tc>
+                <a:tc>
+                  <a:txBody>
+                    <a:bodyPr/>
+                    <a:lstStyle/>
+                    <a:p>
+                      <a:r>
+                        <a:rPr lang="en-US" dirty="0"/>
+                        <a:t>Minimum KID</a:t>
+                      </a:r>
+                    </a:p>
+                  </a:txBody>
+                  <a:tcPr/>
+                </a:tc>
+                <a:extLst>
+                  <a:ext uri="{0D108BD9-81ED-4DB2-BD59-A6C34878D82A}">
+                    <a16:rowId xmlns:a16="http://schemas.microsoft.com/office/drawing/2014/main" val="384111123"/>
+                  </a:ext>
+                </a:extLst>
+              </a:tr>
+              <a:tr h="370840">
+                <a:tc>
+                  <a:txBody>
+                    <a:bodyPr/>
+                    <a:lstStyle/>
+                    <a:p>
+                      <a:r>
+                        <a:rPr lang="en-US" dirty="0"/>
+                        <a:t>2.19 s</a:t>
+                      </a:r>
+                    </a:p>
+                  </a:txBody>
+                  <a:tcPr/>
+                </a:tc>
+                <a:tc>
+                  <a:txBody>
+                    <a:bodyPr/>
+                    <a:lstStyle/>
+                    <a:p>
+                      <a:r>
+                        <a:rPr lang="en-US" dirty="0"/>
+                        <a:t>44.42 s </a:t>
+                      </a:r>
+                    </a:p>
+                  </a:txBody>
+                  <a:tcPr/>
+                </a:tc>
+                <a:tc>
+                  <a:txBody>
+                    <a:bodyPr/>
+                    <a:lstStyle/>
+                    <a:p>
+                      <a:r>
+                        <a:rPr lang="en-US" dirty="0"/>
+                        <a:t>0.049</a:t>
+                      </a:r>
+                    </a:p>
+                  </a:txBody>
+                  <a:tcPr/>
+                </a:tc>
+                <a:extLst>
+                  <a:ext uri="{0D108BD9-81ED-4DB2-BD59-A6C34878D82A}">
+                    <a16:rowId xmlns:a16="http://schemas.microsoft.com/office/drawing/2014/main" val="3986634991"/>
+                  </a:ext>
+                </a:extLst>
+              </a:tr>
+            </a:tbl>
+          </a:graphicData>
+        </a:graphic>
+      </p:graphicFrame>
+      <p:graphicFrame>
+        <p:nvGraphicFramePr>
+          <p:cNvPr id="5" name="Table 4">
+            <a:extLst>
+              <a:ext uri="{FF2B5EF4-FFF2-40B4-BE49-F238E27FC236}">
+                <a16:creationId xmlns:a16="http://schemas.microsoft.com/office/drawing/2014/main" id="{812FA82E-C4E6-88E2-D26C-ECFF66524400}"/>
+              </a:ext>
+            </a:extLst>
+          </p:cNvPr>
+          <p:cNvGraphicFramePr>
+            <a:graphicFrameLocks noGrp="1"/>
+          </p:cNvGraphicFramePr>
+          <p:nvPr>
+            <p:extLst>
+              <p:ext uri="{D42A27DB-BD31-4B8C-83A1-F6EECF244321}">
+                <p14:modId xmlns:p14="http://schemas.microsoft.com/office/powerpoint/2010/main" val="22406838"/>
+              </p:ext>
+            </p:extLst>
+          </p:nvPr>
+        </p:nvGraphicFramePr>
+        <p:xfrm>
+          <a:off x="838199" y="3930090"/>
           <a:ext cx="8127999" cy="741680"/>
         </p:xfrm>
         <a:graphic>

--- a/Evaluating DDIMs in New Domains.pptx
+++ b/Evaluating DDIMs in New Domains.pptx
@@ -4,6 +4,9 @@
   <p:sldMasterIdLst>
     <p:sldMasterId id="2147483648" r:id="rId1"/>
   </p:sldMasterIdLst>
+  <p:notesMasterIdLst>
+    <p:notesMasterId r:id="rId6"/>
+  </p:notesMasterIdLst>
   <p:sldIdLst>
     <p:sldId id="256" r:id="rId2"/>
     <p:sldId id="257" r:id="rId3"/>
@@ -115,6 +118,462 @@
 </p:presentation>
 </file>
 
+<file path=ppt/notesMasters/notesMaster1.xml><?xml version="1.0" encoding="utf-8"?>
+<p:notesMaster xmlns:a="http://schemas.openxmlformats.org/drawingml/2006/main" xmlns:r="http://schemas.openxmlformats.org/officeDocument/2006/relationships" xmlns:p="http://schemas.openxmlformats.org/presentationml/2006/main">
+  <p:cSld>
+    <p:bg>
+      <p:bgRef idx="1001">
+        <a:schemeClr val="bg1"/>
+      </p:bgRef>
+    </p:bg>
+    <p:spTree>
+      <p:nvGrpSpPr>
+        <p:cNvPr id="1" name=""/>
+        <p:cNvGrpSpPr/>
+        <p:nvPr/>
+      </p:nvGrpSpPr>
+      <p:grpSpPr>
+        <a:xfrm>
+          <a:off x="0" y="0"/>
+          <a:ext cx="0" cy="0"/>
+          <a:chOff x="0" y="0"/>
+          <a:chExt cx="0" cy="0"/>
+        </a:xfrm>
+      </p:grpSpPr>
+      <p:sp>
+        <p:nvSpPr>
+          <p:cNvPr id="2" name="Header Placeholder 1"/>
+          <p:cNvSpPr>
+            <a:spLocks noGrp="1"/>
+          </p:cNvSpPr>
+          <p:nvPr>
+            <p:ph type="hdr" sz="quarter"/>
+          </p:nvPr>
+        </p:nvSpPr>
+        <p:spPr>
+          <a:xfrm>
+            <a:off x="0" y="0"/>
+            <a:ext cx="2971800" cy="458788"/>
+          </a:xfrm>
+          <a:prstGeom prst="rect">
+            <a:avLst/>
+          </a:prstGeom>
+        </p:spPr>
+        <p:txBody>
+          <a:bodyPr vert="horz" lIns="91440" tIns="45720" rIns="91440" bIns="45720" rtlCol="0"/>
+          <a:lstStyle>
+            <a:lvl1pPr algn="l">
+              <a:defRPr sz="1200"/>
+            </a:lvl1pPr>
+          </a:lstStyle>
+          <a:p>
+            <a:endParaRPr lang="en-US"/>
+          </a:p>
+        </p:txBody>
+      </p:sp>
+      <p:sp>
+        <p:nvSpPr>
+          <p:cNvPr id="3" name="Date Placeholder 2"/>
+          <p:cNvSpPr>
+            <a:spLocks noGrp="1"/>
+          </p:cNvSpPr>
+          <p:nvPr>
+            <p:ph type="dt" idx="1"/>
+          </p:nvPr>
+        </p:nvSpPr>
+        <p:spPr>
+          <a:xfrm>
+            <a:off x="3884613" y="0"/>
+            <a:ext cx="2971800" cy="458788"/>
+          </a:xfrm>
+          <a:prstGeom prst="rect">
+            <a:avLst/>
+          </a:prstGeom>
+        </p:spPr>
+        <p:txBody>
+          <a:bodyPr vert="horz" lIns="91440" tIns="45720" rIns="91440" bIns="45720" rtlCol="0"/>
+          <a:lstStyle>
+            <a:lvl1pPr algn="r">
+              <a:defRPr sz="1200"/>
+            </a:lvl1pPr>
+          </a:lstStyle>
+          <a:p>
+            <a:fld id="{254DE903-8928-4F53-8948-4BEA2CACA4FB}" type="datetimeFigureOut">
+              <a:rPr lang="en-US" smtClean="0"/>
+              <a:t>12/3/2025</a:t>
+            </a:fld>
+            <a:endParaRPr lang="en-US"/>
+          </a:p>
+        </p:txBody>
+      </p:sp>
+      <p:sp>
+        <p:nvSpPr>
+          <p:cNvPr id="4" name="Slide Image Placeholder 3"/>
+          <p:cNvSpPr>
+            <a:spLocks noGrp="1" noRot="1" noChangeAspect="1"/>
+          </p:cNvSpPr>
+          <p:nvPr>
+            <p:ph type="sldImg" idx="2"/>
+          </p:nvPr>
+        </p:nvSpPr>
+        <p:spPr>
+          <a:xfrm>
+            <a:off x="685800" y="1143000"/>
+            <a:ext cx="5486400" cy="3086100"/>
+          </a:xfrm>
+          <a:prstGeom prst="rect">
+            <a:avLst/>
+          </a:prstGeom>
+          <a:noFill/>
+          <a:ln w="12700">
+            <a:solidFill>
+              <a:prstClr val="black"/>
+            </a:solidFill>
+          </a:ln>
+        </p:spPr>
+        <p:txBody>
+          <a:bodyPr vert="horz" lIns="91440" tIns="45720" rIns="91440" bIns="45720" rtlCol="0" anchor="ctr"/>
+          <a:lstStyle/>
+          <a:p>
+            <a:endParaRPr lang="en-US"/>
+          </a:p>
+        </p:txBody>
+      </p:sp>
+      <p:sp>
+        <p:nvSpPr>
+          <p:cNvPr id="5" name="Notes Placeholder 4"/>
+          <p:cNvSpPr>
+            <a:spLocks noGrp="1"/>
+          </p:cNvSpPr>
+          <p:nvPr>
+            <p:ph type="body" sz="quarter" idx="3"/>
+          </p:nvPr>
+        </p:nvSpPr>
+        <p:spPr>
+          <a:xfrm>
+            <a:off x="685800" y="4400550"/>
+            <a:ext cx="5486400" cy="3600450"/>
+          </a:xfrm>
+          <a:prstGeom prst="rect">
+            <a:avLst/>
+          </a:prstGeom>
+        </p:spPr>
+        <p:txBody>
+          <a:bodyPr vert="horz" lIns="91440" tIns="45720" rIns="91440" bIns="45720" rtlCol="0"/>
+          <a:lstStyle/>
+          <a:p>
+            <a:pPr lvl="0"/>
+            <a:r>
+              <a:rPr lang="en-US"/>
+              <a:t>Click to edit Master text styles</a:t>
+            </a:r>
+          </a:p>
+          <a:p>
+            <a:pPr lvl="1"/>
+            <a:r>
+              <a:rPr lang="en-US"/>
+              <a:t>Second level</a:t>
+            </a:r>
+          </a:p>
+          <a:p>
+            <a:pPr lvl="2"/>
+            <a:r>
+              <a:rPr lang="en-US"/>
+              <a:t>Third level</a:t>
+            </a:r>
+          </a:p>
+          <a:p>
+            <a:pPr lvl="3"/>
+            <a:r>
+              <a:rPr lang="en-US"/>
+              <a:t>Fourth level</a:t>
+            </a:r>
+          </a:p>
+          <a:p>
+            <a:pPr lvl="4"/>
+            <a:r>
+              <a:rPr lang="en-US"/>
+              <a:t>Fifth level</a:t>
+            </a:r>
+          </a:p>
+        </p:txBody>
+      </p:sp>
+      <p:sp>
+        <p:nvSpPr>
+          <p:cNvPr id="6" name="Footer Placeholder 5"/>
+          <p:cNvSpPr>
+            <a:spLocks noGrp="1"/>
+          </p:cNvSpPr>
+          <p:nvPr>
+            <p:ph type="ftr" sz="quarter" idx="4"/>
+          </p:nvPr>
+        </p:nvSpPr>
+        <p:spPr>
+          <a:xfrm>
+            <a:off x="0" y="8685213"/>
+            <a:ext cx="2971800" cy="458787"/>
+          </a:xfrm>
+          <a:prstGeom prst="rect">
+            <a:avLst/>
+          </a:prstGeom>
+        </p:spPr>
+        <p:txBody>
+          <a:bodyPr vert="horz" lIns="91440" tIns="45720" rIns="91440" bIns="45720" rtlCol="0" anchor="b"/>
+          <a:lstStyle>
+            <a:lvl1pPr algn="l">
+              <a:defRPr sz="1200"/>
+            </a:lvl1pPr>
+          </a:lstStyle>
+          <a:p>
+            <a:endParaRPr lang="en-US"/>
+          </a:p>
+        </p:txBody>
+      </p:sp>
+      <p:sp>
+        <p:nvSpPr>
+          <p:cNvPr id="7" name="Slide Number Placeholder 6"/>
+          <p:cNvSpPr>
+            <a:spLocks noGrp="1"/>
+          </p:cNvSpPr>
+          <p:nvPr>
+            <p:ph type="sldNum" sz="quarter" idx="5"/>
+          </p:nvPr>
+        </p:nvSpPr>
+        <p:spPr>
+          <a:xfrm>
+            <a:off x="3884613" y="8685213"/>
+            <a:ext cx="2971800" cy="458787"/>
+          </a:xfrm>
+          <a:prstGeom prst="rect">
+            <a:avLst/>
+          </a:prstGeom>
+        </p:spPr>
+        <p:txBody>
+          <a:bodyPr vert="horz" lIns="91440" tIns="45720" rIns="91440" bIns="45720" rtlCol="0" anchor="b"/>
+          <a:lstStyle>
+            <a:lvl1pPr algn="r">
+              <a:defRPr sz="1200"/>
+            </a:lvl1pPr>
+          </a:lstStyle>
+          <a:p>
+            <a:fld id="{8CD58DCE-95A7-4CB9-A6D8-A46A167DF4A3}" type="slidenum">
+              <a:rPr lang="en-US" smtClean="0"/>
+              <a:t>‹#›</a:t>
+            </a:fld>
+            <a:endParaRPr lang="en-US"/>
+          </a:p>
+        </p:txBody>
+      </p:sp>
+    </p:spTree>
+    <p:extLst>
+      <p:ext uri="{BB962C8B-B14F-4D97-AF65-F5344CB8AC3E}">
+        <p14:creationId xmlns:p14="http://schemas.microsoft.com/office/powerpoint/2010/main" val="2243919854"/>
+      </p:ext>
+    </p:extLst>
+  </p:cSld>
+  <p:clrMap bg1="lt1" tx1="dk1" bg2="lt2" tx2="dk2" accent1="accent1" accent2="accent2" accent3="accent3" accent4="accent4" accent5="accent5" accent6="accent6" hlink="hlink" folHlink="folHlink"/>
+  <p:notesStyle>
+    <a:lvl1pPr marL="0" algn="l" defTabSz="914400" rtl="0" eaLnBrk="1" latinLnBrk="0" hangingPunct="1">
+      <a:defRPr sz="1200" kern="1200">
+        <a:solidFill>
+          <a:schemeClr val="tx1"/>
+        </a:solidFill>
+        <a:latin typeface="+mn-lt"/>
+        <a:ea typeface="+mn-ea"/>
+        <a:cs typeface="+mn-cs"/>
+      </a:defRPr>
+    </a:lvl1pPr>
+    <a:lvl2pPr marL="457200" algn="l" defTabSz="914400" rtl="0" eaLnBrk="1" latinLnBrk="0" hangingPunct="1">
+      <a:defRPr sz="1200" kern="1200">
+        <a:solidFill>
+          <a:schemeClr val="tx1"/>
+        </a:solidFill>
+        <a:latin typeface="+mn-lt"/>
+        <a:ea typeface="+mn-ea"/>
+        <a:cs typeface="+mn-cs"/>
+      </a:defRPr>
+    </a:lvl2pPr>
+    <a:lvl3pPr marL="914400" algn="l" defTabSz="914400" rtl="0" eaLnBrk="1" latinLnBrk="0" hangingPunct="1">
+      <a:defRPr sz="1200" kern="1200">
+        <a:solidFill>
+          <a:schemeClr val="tx1"/>
+        </a:solidFill>
+        <a:latin typeface="+mn-lt"/>
+        <a:ea typeface="+mn-ea"/>
+        <a:cs typeface="+mn-cs"/>
+      </a:defRPr>
+    </a:lvl3pPr>
+    <a:lvl4pPr marL="1371600" algn="l" defTabSz="914400" rtl="0" eaLnBrk="1" latinLnBrk="0" hangingPunct="1">
+      <a:defRPr sz="1200" kern="1200">
+        <a:solidFill>
+          <a:schemeClr val="tx1"/>
+        </a:solidFill>
+        <a:latin typeface="+mn-lt"/>
+        <a:ea typeface="+mn-ea"/>
+        <a:cs typeface="+mn-cs"/>
+      </a:defRPr>
+    </a:lvl4pPr>
+    <a:lvl5pPr marL="1828800" algn="l" defTabSz="914400" rtl="0" eaLnBrk="1" latinLnBrk="0" hangingPunct="1">
+      <a:defRPr sz="1200" kern="1200">
+        <a:solidFill>
+          <a:schemeClr val="tx1"/>
+        </a:solidFill>
+        <a:latin typeface="+mn-lt"/>
+        <a:ea typeface="+mn-ea"/>
+        <a:cs typeface="+mn-cs"/>
+      </a:defRPr>
+    </a:lvl5pPr>
+    <a:lvl6pPr marL="2286000" algn="l" defTabSz="914400" rtl="0" eaLnBrk="1" latinLnBrk="0" hangingPunct="1">
+      <a:defRPr sz="1200" kern="1200">
+        <a:solidFill>
+          <a:schemeClr val="tx1"/>
+        </a:solidFill>
+        <a:latin typeface="+mn-lt"/>
+        <a:ea typeface="+mn-ea"/>
+        <a:cs typeface="+mn-cs"/>
+      </a:defRPr>
+    </a:lvl6pPr>
+    <a:lvl7pPr marL="2743200" algn="l" defTabSz="914400" rtl="0" eaLnBrk="1" latinLnBrk="0" hangingPunct="1">
+      <a:defRPr sz="1200" kern="1200">
+        <a:solidFill>
+          <a:schemeClr val="tx1"/>
+        </a:solidFill>
+        <a:latin typeface="+mn-lt"/>
+        <a:ea typeface="+mn-ea"/>
+        <a:cs typeface="+mn-cs"/>
+      </a:defRPr>
+    </a:lvl7pPr>
+    <a:lvl8pPr marL="3200400" algn="l" defTabSz="914400" rtl="0" eaLnBrk="1" latinLnBrk="0" hangingPunct="1">
+      <a:defRPr sz="1200" kern="1200">
+        <a:solidFill>
+          <a:schemeClr val="tx1"/>
+        </a:solidFill>
+        <a:latin typeface="+mn-lt"/>
+        <a:ea typeface="+mn-ea"/>
+        <a:cs typeface="+mn-cs"/>
+      </a:defRPr>
+    </a:lvl8pPr>
+    <a:lvl9pPr marL="3657600" algn="l" defTabSz="914400" rtl="0" eaLnBrk="1" latinLnBrk="0" hangingPunct="1">
+      <a:defRPr sz="1200" kern="1200">
+        <a:solidFill>
+          <a:schemeClr val="tx1"/>
+        </a:solidFill>
+        <a:latin typeface="+mn-lt"/>
+        <a:ea typeface="+mn-ea"/>
+        <a:cs typeface="+mn-cs"/>
+      </a:defRPr>
+    </a:lvl9pPr>
+  </p:notesStyle>
+</p:notesMaster>
+</file>
+
+<file path=ppt/notesSlides/notesSlide1.xml><?xml version="1.0" encoding="utf-8"?>
+<p:notes xmlns:a="http://schemas.openxmlformats.org/drawingml/2006/main" xmlns:r="http://schemas.openxmlformats.org/officeDocument/2006/relationships" xmlns:p="http://schemas.openxmlformats.org/presentationml/2006/main">
+  <p:cSld>
+    <p:spTree>
+      <p:nvGrpSpPr>
+        <p:cNvPr id="1" name=""/>
+        <p:cNvGrpSpPr/>
+        <p:nvPr/>
+      </p:nvGrpSpPr>
+      <p:grpSpPr>
+        <a:xfrm>
+          <a:off x="0" y="0"/>
+          <a:ext cx="0" cy="0"/>
+          <a:chOff x="0" y="0"/>
+          <a:chExt cx="0" cy="0"/>
+        </a:xfrm>
+      </p:grpSpPr>
+      <p:sp>
+        <p:nvSpPr>
+          <p:cNvPr id="2" name="Slide Image Placeholder 1"/>
+          <p:cNvSpPr>
+            <a:spLocks noGrp="1" noRot="1" noChangeAspect="1"/>
+          </p:cNvSpPr>
+          <p:nvPr>
+            <p:ph type="sldImg"/>
+          </p:nvPr>
+        </p:nvSpPr>
+        <p:spPr/>
+      </p:sp>
+      <p:sp>
+        <p:nvSpPr>
+          <p:cNvPr id="3" name="Notes Placeholder 2"/>
+          <p:cNvSpPr>
+            <a:spLocks noGrp="1"/>
+          </p:cNvSpPr>
+          <p:nvPr>
+            <p:ph type="body" idx="1"/>
+          </p:nvPr>
+        </p:nvSpPr>
+        <p:spPr/>
+        <p:txBody>
+          <a:bodyPr/>
+          <a:lstStyle/>
+          <a:p>
+            <a:r>
+              <a:rPr lang="en-US" dirty="0"/>
+              <a:t>DDIMs are a class of image</a:t>
+            </a:r>
+          </a:p>
+          <a:p>
+            <a:r>
+              <a:rPr lang="en-US" dirty="0"/>
+              <a:t>Steps:</a:t>
+            </a:r>
+          </a:p>
+          <a:p>
+            <a:r>
+              <a:rPr lang="en-US" dirty="0"/>
+              <a:t>First, you add Gaussian noise to a clean image for T steps. At the end of those steps, you essentially have just pure noise. This is called the forward pass. From there, we move to the Denoising process. This is where </a:t>
+            </a:r>
+            <a:r>
+              <a:rPr lang="en-US" dirty="0" err="1"/>
+              <a:t>nueral</a:t>
+            </a:r>
+            <a:r>
+              <a:rPr lang="en-US" dirty="0"/>
+              <a:t> networks come in, where the model learns to reverse the forward process. Essentially, at each step T, the model tries to predict the noise that was added. By predicting the noise, the model can create a slightly less noising image and eventually, after T steps, results in a clean image. </a:t>
+            </a:r>
+          </a:p>
+        </p:txBody>
+      </p:sp>
+      <p:sp>
+        <p:nvSpPr>
+          <p:cNvPr id="4" name="Slide Number Placeholder 3"/>
+          <p:cNvSpPr>
+            <a:spLocks noGrp="1"/>
+          </p:cNvSpPr>
+          <p:nvPr>
+            <p:ph type="sldNum" sz="quarter" idx="5"/>
+          </p:nvPr>
+        </p:nvSpPr>
+        <p:spPr/>
+        <p:txBody>
+          <a:bodyPr/>
+          <a:lstStyle/>
+          <a:p>
+            <a:fld id="{1C8C2DBB-8D42-47E3-8C0C-B3452F62FF3E}" type="slidenum">
+              <a:rPr lang="en-US" smtClean="0"/>
+              <a:t>2</a:t>
+            </a:fld>
+            <a:endParaRPr lang="en-US"/>
+          </a:p>
+        </p:txBody>
+      </p:sp>
+    </p:spTree>
+    <p:extLst>
+      <p:ext uri="{BB962C8B-B14F-4D97-AF65-F5344CB8AC3E}">
+        <p14:creationId xmlns:p14="http://schemas.microsoft.com/office/powerpoint/2010/main" val="3409720240"/>
+      </p:ext>
+    </p:extLst>
+  </p:cSld>
+  <p:clrMapOvr>
+    <a:masterClrMapping/>
+  </p:clrMapOvr>
+</p:notes>
+</file>
+
 <file path=ppt/slideLayouts/slideLayout1.xml><?xml version="1.0" encoding="utf-8"?>
 <p:sldLayout xmlns:a="http://schemas.openxmlformats.org/drawingml/2006/main" xmlns:r="http://schemas.openxmlformats.org/officeDocument/2006/relationships" xmlns:p="http://schemas.openxmlformats.org/presentationml/2006/main" type="title" preserve="1">
   <p:cSld name="Title Slide">
@@ -262,7 +721,7 @@
           <a:p>
             <a:fld id="{A53D0CF4-1CA0-4C2A-8220-83BA371E72A4}" type="datetimeFigureOut">
               <a:rPr lang="en-US" smtClean="0"/>
-              <a:t>12/3/25</a:t>
+              <a:t>12/3/2025</a:t>
             </a:fld>
             <a:endParaRPr lang="en-US"/>
           </a:p>
@@ -460,7 +919,7 @@
           <a:p>
             <a:fld id="{A53D0CF4-1CA0-4C2A-8220-83BA371E72A4}" type="datetimeFigureOut">
               <a:rPr lang="en-US" smtClean="0"/>
-              <a:t>12/3/25</a:t>
+              <a:t>12/3/2025</a:t>
             </a:fld>
             <a:endParaRPr lang="en-US"/>
           </a:p>
@@ -668,7 +1127,7 @@
           <a:p>
             <a:fld id="{A53D0CF4-1CA0-4C2A-8220-83BA371E72A4}" type="datetimeFigureOut">
               <a:rPr lang="en-US" smtClean="0"/>
-              <a:t>12/3/25</a:t>
+              <a:t>12/3/2025</a:t>
             </a:fld>
             <a:endParaRPr lang="en-US"/>
           </a:p>
@@ -866,7 +1325,7 @@
           <a:p>
             <a:fld id="{A53D0CF4-1CA0-4C2A-8220-83BA371E72A4}" type="datetimeFigureOut">
               <a:rPr lang="en-US" smtClean="0"/>
-              <a:t>12/3/25</a:t>
+              <a:t>12/3/2025</a:t>
             </a:fld>
             <a:endParaRPr lang="en-US"/>
           </a:p>
@@ -1141,7 +1600,7 @@
           <a:p>
             <a:fld id="{A53D0CF4-1CA0-4C2A-8220-83BA371E72A4}" type="datetimeFigureOut">
               <a:rPr lang="en-US" smtClean="0"/>
-              <a:t>12/3/25</a:t>
+              <a:t>12/3/2025</a:t>
             </a:fld>
             <a:endParaRPr lang="en-US"/>
           </a:p>
@@ -1406,7 +1865,7 @@
           <a:p>
             <a:fld id="{A53D0CF4-1CA0-4C2A-8220-83BA371E72A4}" type="datetimeFigureOut">
               <a:rPr lang="en-US" smtClean="0"/>
-              <a:t>12/3/25</a:t>
+              <a:t>12/3/2025</a:t>
             </a:fld>
             <a:endParaRPr lang="en-US"/>
           </a:p>
@@ -1818,7 +2277,7 @@
           <a:p>
             <a:fld id="{A53D0CF4-1CA0-4C2A-8220-83BA371E72A4}" type="datetimeFigureOut">
               <a:rPr lang="en-US" smtClean="0"/>
-              <a:t>12/3/25</a:t>
+              <a:t>12/3/2025</a:t>
             </a:fld>
             <a:endParaRPr lang="en-US"/>
           </a:p>
@@ -1959,7 +2418,7 @@
           <a:p>
             <a:fld id="{A53D0CF4-1CA0-4C2A-8220-83BA371E72A4}" type="datetimeFigureOut">
               <a:rPr lang="en-US" smtClean="0"/>
-              <a:t>12/3/25</a:t>
+              <a:t>12/3/2025</a:t>
             </a:fld>
             <a:endParaRPr lang="en-US"/>
           </a:p>
@@ -2072,7 +2531,7 @@
           <a:p>
             <a:fld id="{A53D0CF4-1CA0-4C2A-8220-83BA371E72A4}" type="datetimeFigureOut">
               <a:rPr lang="en-US" smtClean="0"/>
-              <a:t>12/3/25</a:t>
+              <a:t>12/3/2025</a:t>
             </a:fld>
             <a:endParaRPr lang="en-US"/>
           </a:p>
@@ -2383,7 +2842,7 @@
           <a:p>
             <a:fld id="{A53D0CF4-1CA0-4C2A-8220-83BA371E72A4}" type="datetimeFigureOut">
               <a:rPr lang="en-US" smtClean="0"/>
-              <a:t>12/3/25</a:t>
+              <a:t>12/3/2025</a:t>
             </a:fld>
             <a:endParaRPr lang="en-US"/>
           </a:p>
@@ -2671,7 +3130,7 @@
           <a:p>
             <a:fld id="{A53D0CF4-1CA0-4C2A-8220-83BA371E72A4}" type="datetimeFigureOut">
               <a:rPr lang="en-US" smtClean="0"/>
-              <a:t>12/3/25</a:t>
+              <a:t>12/3/2025</a:t>
             </a:fld>
             <a:endParaRPr lang="en-US"/>
           </a:p>
@@ -2912,7 +3371,7 @@
           <a:p>
             <a:fld id="{A53D0CF4-1CA0-4C2A-8220-83BA371E72A4}" type="datetimeFigureOut">
               <a:rPr lang="en-US" smtClean="0"/>
-              <a:t>12/3/25</a:t>
+              <a:t>12/3/2025</a:t>
             </a:fld>
             <a:endParaRPr lang="en-US"/>
           </a:p>
@@ -3444,7 +3903,7 @@
           <a:p>
             <a:r>
               <a:rPr lang="en-US" dirty="0"/>
-              <a:t>DDIM vs WGAN</a:t>
+              <a:t>DDIMs</a:t>
             </a:r>
           </a:p>
         </p:txBody>
@@ -3470,10 +3929,122 @@
           <a:bodyPr/>
           <a:lstStyle/>
           <a:p>
-            <a:endParaRPr lang="en-US" dirty="0"/>
-          </a:p>
-        </p:txBody>
-      </p:sp>
+            <a:pPr>
+              <a:lnSpc>
+                <a:spcPct val="150000"/>
+              </a:lnSpc>
+            </a:pPr>
+            <a:r>
+              <a:rPr lang="en-US" dirty="0"/>
+              <a:t>Denoising Diffusion Implicit Models</a:t>
+            </a:r>
+          </a:p>
+          <a:p>
+            <a:pPr lvl="1">
+              <a:lnSpc>
+                <a:spcPct val="150000"/>
+              </a:lnSpc>
+            </a:pPr>
+            <a:r>
+              <a:rPr lang="en-US" dirty="0"/>
+              <a:t>An evolution from DDPMs within the class of Diffusion Models</a:t>
+            </a:r>
+          </a:p>
+          <a:p>
+            <a:pPr lvl="1">
+              <a:lnSpc>
+                <a:spcPct val="150000"/>
+              </a:lnSpc>
+            </a:pPr>
+            <a:r>
+              <a:rPr lang="en-US" dirty="0"/>
+              <a:t>Steps</a:t>
+            </a:r>
+          </a:p>
+          <a:p>
+            <a:pPr lvl="2">
+              <a:lnSpc>
+                <a:spcPct val="150000"/>
+              </a:lnSpc>
+            </a:pPr>
+            <a:r>
+              <a:rPr lang="en-US" dirty="0"/>
+              <a:t>Add noise to an image for </a:t>
+            </a:r>
+            <a:r>
+              <a:rPr lang="en-US" i="1" dirty="0"/>
+              <a:t>T </a:t>
+            </a:r>
+            <a:r>
+              <a:rPr lang="en-US" dirty="0"/>
+              <a:t>steps</a:t>
+            </a:r>
+          </a:p>
+          <a:p>
+            <a:pPr lvl="2">
+              <a:lnSpc>
+                <a:spcPct val="150000"/>
+              </a:lnSpc>
+            </a:pPr>
+            <a:r>
+              <a:rPr lang="en-US" dirty="0"/>
+              <a:t>Reverse the forward process by predicting the added noise</a:t>
+            </a:r>
+          </a:p>
+          <a:p>
+            <a:pPr lvl="1">
+              <a:lnSpc>
+                <a:spcPct val="150000"/>
+              </a:lnSpc>
+            </a:pPr>
+            <a:r>
+              <a:rPr lang="en-US" dirty="0"/>
+              <a:t>Training and inference times typically takes longer</a:t>
+            </a:r>
+          </a:p>
+          <a:p>
+            <a:pPr lvl="1">
+              <a:lnSpc>
+                <a:spcPct val="150000"/>
+              </a:lnSpc>
+            </a:pPr>
+            <a:r>
+              <a:rPr lang="en-US" dirty="0"/>
+              <a:t>More reliable/quality image outputs </a:t>
+            </a:r>
+          </a:p>
+        </p:txBody>
+      </p:sp>
+      <p:pic>
+        <p:nvPicPr>
+          <p:cNvPr id="5" name="Picture 4">
+            <a:extLst>
+              <a:ext uri="{FF2B5EF4-FFF2-40B4-BE49-F238E27FC236}">
+                <a16:creationId xmlns:a16="http://schemas.microsoft.com/office/drawing/2014/main" id="{D00220BE-2559-0B67-F900-C8663C21D383}"/>
+              </a:ext>
+            </a:extLst>
+          </p:cNvPr>
+          <p:cNvPicPr>
+            <a:picLocks noChangeAspect="1"/>
+          </p:cNvPicPr>
+          <p:nvPr/>
+        </p:nvPicPr>
+        <p:blipFill>
+          <a:blip r:embed="rId3"/>
+          <a:stretch>
+            <a:fillRect/>
+          </a:stretch>
+        </p:blipFill>
+        <p:spPr>
+          <a:xfrm>
+            <a:off x="6949228" y="234892"/>
+            <a:ext cx="5123230" cy="1885050"/>
+          </a:xfrm>
+          <a:prstGeom prst="rect">
+            <a:avLst/>
+          </a:prstGeom>
+        </p:spPr>
+      </p:pic>
     </p:spTree>
     <p:extLst>
       <p:ext uri="{BB962C8B-B14F-4D97-AF65-F5344CB8AC3E}">
@@ -4449,4 +5020,319 @@
     </a:ext>
   </a:extLst>
 </a:theme>
+</file>
+
+<file path=ppt/theme/theme2.xml><?xml version="1.0" encoding="utf-8"?>
+<a:theme xmlns:a="http://schemas.openxmlformats.org/drawingml/2006/main" name="Office Theme">
+  <a:themeElements>
+    <a:clrScheme name="Office">
+      <a:dk1>
+        <a:sysClr val="windowText" lastClr="000000"/>
+      </a:dk1>
+      <a:lt1>
+        <a:sysClr val="window" lastClr="FFFFFF"/>
+      </a:lt1>
+      <a:dk2>
+        <a:srgbClr val="0E2841"/>
+      </a:dk2>
+      <a:lt2>
+        <a:srgbClr val="E8E8E8"/>
+      </a:lt2>
+      <a:accent1>
+        <a:srgbClr val="156082"/>
+      </a:accent1>
+      <a:accent2>
+        <a:srgbClr val="E97132"/>
+      </a:accent2>
+      <a:accent3>
+        <a:srgbClr val="196B24"/>
+      </a:accent3>
+      <a:accent4>
+        <a:srgbClr val="0F9ED5"/>
+      </a:accent4>
+      <a:accent5>
+        <a:srgbClr val="A02B93"/>
+      </a:accent5>
+      <a:accent6>
+        <a:srgbClr val="4EA72E"/>
+      </a:accent6>
+      <a:hlink>
+        <a:srgbClr val="467886"/>
+      </a:hlink>
+      <a:folHlink>
+        <a:srgbClr val="96607D"/>
+      </a:folHlink>
+    </a:clrScheme>
+    <a:fontScheme name="Office">
+      <a:majorFont>
+        <a:latin typeface="Aptos Display" panose="02110004020202020204"/>
+        <a:ea typeface=""/>
+        <a:cs typeface=""/>
+        <a:font script="Jpan" typeface="游ゴシック Light"/>
+        <a:font script="Hang" typeface="맑은 고딕"/>
+        <a:font script="Hans" typeface="等线 Light"/>
+        <a:font script="Hant" typeface="新細明體"/>
+        <a:font script="Arab" typeface="Times New Roman"/>
+        <a:font script="Hebr" typeface="Times New Roman"/>
+        <a:font script="Thai" typeface="Angsana New"/>
+        <a:font script="Ethi" typeface="Nyala"/>
+        <a:font script="Beng" typeface="Vrinda"/>
+        <a:font script="Gujr" typeface="Shruti"/>
+        <a:font script="Khmr" typeface="MoolBoran"/>
+        <a:font script="Knda" typeface="Tunga"/>
+        <a:font script="Guru" typeface="Raavi"/>
+        <a:font script="Cans" typeface="Euphemia"/>
+        <a:font script="Cher" typeface="Plantagenet Cherokee"/>
+        <a:font script="Yiii" typeface="Microsoft Yi Baiti"/>
+        <a:font script="Tibt" typeface="Microsoft Himalaya"/>
+        <a:font script="Thaa" typeface="MV Boli"/>
+        <a:font script="Deva" typeface="Mangal"/>
+        <a:font script="Telu" typeface="Gautami"/>
+        <a:font script="Taml" typeface="Latha"/>
+        <a:font script="Syrc" typeface="Estrangelo Edessa"/>
+        <a:font script="Orya" typeface="Kalinga"/>
+        <a:font script="Mlym" typeface="Kartika"/>
+        <a:font script="Laoo" typeface="DokChampa"/>
+        <a:font script="Sinh" typeface="Iskoola Pota"/>
+        <a:font script="Mong" typeface="Mongolian Baiti"/>
+        <a:font script="Viet" typeface="Times New Roman"/>
+        <a:font script="Uigh" typeface="Microsoft Uighur"/>
+        <a:font script="Geor" typeface="Sylfaen"/>
+        <a:font script="Armn" typeface="Arial"/>
+        <a:font script="Bugi" typeface="Leelawadee UI"/>
+        <a:font script="Bopo" typeface="Microsoft JhengHei"/>
+        <a:font script="Java" typeface="Javanese Text"/>
+        <a:font script="Lisu" typeface="Segoe UI"/>
+        <a:font script="Mymr" typeface="Myanmar Text"/>
+        <a:font script="Nkoo" typeface="Ebrima"/>
+        <a:font script="Olck" typeface="Nirmala UI"/>
+        <a:font script="Osma" typeface="Ebrima"/>
+        <a:font script="Phag" typeface="Phagspa"/>
+        <a:font script="Syrn" typeface="Estrangelo Edessa"/>
+        <a:font script="Syrj" typeface="Estrangelo Edessa"/>
+        <a:font script="Syre" typeface="Estrangelo Edessa"/>
+        <a:font script="Sora" typeface="Nirmala UI"/>
+        <a:font script="Tale" typeface="Microsoft Tai Le"/>
+        <a:font script="Talu" typeface="Microsoft New Tai Lue"/>
+        <a:font script="Tfng" typeface="Ebrima"/>
+      </a:majorFont>
+      <a:minorFont>
+        <a:latin typeface="Aptos" panose="02110004020202020204"/>
+        <a:ea typeface=""/>
+        <a:cs typeface=""/>
+        <a:font script="Jpan" typeface="游ゴシック"/>
+        <a:font script="Hang" typeface="맑은 고딕"/>
+        <a:font script="Hans" typeface="等线"/>
+        <a:font script="Hant" typeface="新細明體"/>
+        <a:font script="Arab" typeface="Arial"/>
+        <a:font script="Hebr" typeface="Arial"/>
+        <a:font script="Thai" typeface="Cordia New"/>
+        <a:font script="Ethi" typeface="Nyala"/>
+        <a:font script="Beng" typeface="Vrinda"/>
+        <a:font script="Gujr" typeface="Shruti"/>
+        <a:font script="Khmr" typeface="DaunPenh"/>
+        <a:font script="Knda" typeface="Tunga"/>
+        <a:font script="Guru" typeface="Raavi"/>
+        <a:font script="Cans" typeface="Euphemia"/>
+        <a:font script="Cher" typeface="Plantagenet Cherokee"/>
+        <a:font script="Yiii" typeface="Microsoft Yi Baiti"/>
+        <a:font script="Tibt" typeface="Microsoft Himalaya"/>
+        <a:font script="Thaa" typeface="MV Boli"/>
+        <a:font script="Deva" typeface="Mangal"/>
+        <a:font script="Telu" typeface="Gautami"/>
+        <a:font script="Taml" typeface="Latha"/>
+        <a:font script="Syrc" typeface="Estrangelo Edessa"/>
+        <a:font script="Orya" typeface="Kalinga"/>
+        <a:font script="Mlym" typeface="Kartika"/>
+        <a:font script="Laoo" typeface="DokChampa"/>
+        <a:font script="Sinh" typeface="Iskoola Pota"/>
+        <a:font script="Mong" typeface="Mongolian Baiti"/>
+        <a:font script="Viet" typeface="Arial"/>
+        <a:font script="Uigh" typeface="Microsoft Uighur"/>
+        <a:font script="Geor" typeface="Sylfaen"/>
+        <a:font script="Armn" typeface="Arial"/>
+        <a:font script="Bugi" typeface="Leelawadee UI"/>
+        <a:font script="Bopo" typeface="Microsoft JhengHei"/>
+        <a:font script="Java" typeface="Javanese Text"/>
+        <a:font script="Lisu" typeface="Segoe UI"/>
+        <a:font script="Mymr" typeface="Myanmar Text"/>
+        <a:font script="Nkoo" typeface="Ebrima"/>
+        <a:font script="Olck" typeface="Nirmala UI"/>
+        <a:font script="Osma" typeface="Ebrima"/>
+        <a:font script="Phag" typeface="Phagspa"/>
+        <a:font script="Syrn" typeface="Estrangelo Edessa"/>
+        <a:font script="Syrj" typeface="Estrangelo Edessa"/>
+        <a:font script="Syre" typeface="Estrangelo Edessa"/>
+        <a:font script="Sora" typeface="Nirmala UI"/>
+        <a:font script="Tale" typeface="Microsoft Tai Le"/>
+        <a:font script="Talu" typeface="Microsoft New Tai Lue"/>
+        <a:font script="Tfng" typeface="Ebrima"/>
+      </a:minorFont>
+    </a:fontScheme>
+    <a:fmtScheme name="Office">
+      <a:fillStyleLst>
+        <a:solidFill>
+          <a:schemeClr val="phClr"/>
+        </a:solidFill>
+        <a:gradFill rotWithShape="1">
+          <a:gsLst>
+            <a:gs pos="0">
+              <a:schemeClr val="phClr">
+                <a:lumMod val="110000"/>
+                <a:satMod val="105000"/>
+                <a:tint val="67000"/>
+              </a:schemeClr>
+            </a:gs>
+            <a:gs pos="50000">
+              <a:schemeClr val="phClr">
+                <a:lumMod val="105000"/>
+                <a:satMod val="103000"/>
+                <a:tint val="73000"/>
+              </a:schemeClr>
+            </a:gs>
+            <a:gs pos="100000">
+              <a:schemeClr val="phClr">
+                <a:lumMod val="105000"/>
+                <a:satMod val="109000"/>
+                <a:tint val="81000"/>
+              </a:schemeClr>
+            </a:gs>
+          </a:gsLst>
+          <a:lin ang="5400000" scaled="0"/>
+        </a:gradFill>
+        <a:gradFill rotWithShape="1">
+          <a:gsLst>
+            <a:gs pos="0">
+              <a:schemeClr val="phClr">
+                <a:satMod val="103000"/>
+                <a:lumMod val="102000"/>
+                <a:tint val="94000"/>
+              </a:schemeClr>
+            </a:gs>
+            <a:gs pos="50000">
+              <a:schemeClr val="phClr">
+                <a:satMod val="110000"/>
+                <a:lumMod val="100000"/>
+                <a:shade val="100000"/>
+              </a:schemeClr>
+            </a:gs>
+            <a:gs pos="100000">
+              <a:schemeClr val="phClr">
+                <a:lumMod val="99000"/>
+                <a:satMod val="120000"/>
+                <a:shade val="78000"/>
+              </a:schemeClr>
+            </a:gs>
+          </a:gsLst>
+          <a:lin ang="5400000" scaled="0"/>
+        </a:gradFill>
+      </a:fillStyleLst>
+      <a:lnStyleLst>
+        <a:ln w="12700" cap="flat" cmpd="sng" algn="ctr">
+          <a:solidFill>
+            <a:schemeClr val="phClr"/>
+          </a:solidFill>
+          <a:prstDash val="solid"/>
+          <a:miter lim="800000"/>
+        </a:ln>
+        <a:ln w="19050" cap="flat" cmpd="sng" algn="ctr">
+          <a:solidFill>
+            <a:schemeClr val="phClr"/>
+          </a:solidFill>
+          <a:prstDash val="solid"/>
+          <a:miter lim="800000"/>
+        </a:ln>
+        <a:ln w="25400" cap="flat" cmpd="sng" algn="ctr">
+          <a:solidFill>
+            <a:schemeClr val="phClr"/>
+          </a:solidFill>
+          <a:prstDash val="solid"/>
+          <a:miter lim="800000"/>
+        </a:ln>
+      </a:lnStyleLst>
+      <a:effectStyleLst>
+        <a:effectStyle>
+          <a:effectLst/>
+        </a:effectStyle>
+        <a:effectStyle>
+          <a:effectLst/>
+        </a:effectStyle>
+        <a:effectStyle>
+          <a:effectLst>
+            <a:outerShdw blurRad="57150" dist="19050" dir="5400000" algn="ctr" rotWithShape="0">
+              <a:srgbClr val="000000">
+                <a:alpha val="63000"/>
+              </a:srgbClr>
+            </a:outerShdw>
+          </a:effectLst>
+        </a:effectStyle>
+      </a:effectStyleLst>
+      <a:bgFillStyleLst>
+        <a:solidFill>
+          <a:schemeClr val="phClr"/>
+        </a:solidFill>
+        <a:solidFill>
+          <a:schemeClr val="phClr">
+            <a:tint val="95000"/>
+            <a:satMod val="170000"/>
+          </a:schemeClr>
+        </a:solidFill>
+        <a:gradFill rotWithShape="1">
+          <a:gsLst>
+            <a:gs pos="0">
+              <a:schemeClr val="phClr">
+                <a:tint val="93000"/>
+                <a:satMod val="150000"/>
+                <a:shade val="98000"/>
+                <a:lumMod val="102000"/>
+              </a:schemeClr>
+            </a:gs>
+            <a:gs pos="50000">
+              <a:schemeClr val="phClr">
+                <a:tint val="98000"/>
+                <a:satMod val="130000"/>
+                <a:shade val="90000"/>
+                <a:lumMod val="103000"/>
+              </a:schemeClr>
+            </a:gs>
+            <a:gs pos="100000">
+              <a:schemeClr val="phClr">
+                <a:shade val="63000"/>
+                <a:satMod val="120000"/>
+              </a:schemeClr>
+            </a:gs>
+          </a:gsLst>
+          <a:lin ang="5400000" scaled="0"/>
+        </a:gradFill>
+      </a:bgFillStyleLst>
+    </a:fmtScheme>
+  </a:themeElements>
+  <a:objectDefaults>
+    <a:lnDef>
+      <a:spPr/>
+      <a:bodyPr/>
+      <a:lstStyle/>
+      <a:style>
+        <a:lnRef idx="2">
+          <a:schemeClr val="accent1"/>
+        </a:lnRef>
+        <a:fillRef idx="0">
+          <a:schemeClr val="accent1"/>
+        </a:fillRef>
+        <a:effectRef idx="1">
+          <a:schemeClr val="accent1"/>
+        </a:effectRef>
+        <a:fontRef idx="minor">
+          <a:schemeClr val="tx1"/>
+        </a:fontRef>
+      </a:style>
+    </a:lnDef>
+  </a:objectDefaults>
+  <a:extraClrSchemeLst/>
+  <a:extLst>
+    <a:ext uri="{05A4C25C-085E-4340-85A3-A5531E510DB2}">
+      <thm15:themeFamily xmlns:thm15="http://schemas.microsoft.com/office/thememl/2012/main" name="Office Theme" id="{2E142A2C-CD16-42D6-873A-C26D2A0506FA}" vid="{1BDDFF52-6CD6-40A5-AB3C-68EB2F1E4D0A}"/>
+    </a:ext>
+  </a:extLst>
+</a:theme>
 </file>
--- a/Evaluating DDIMs in New Domains.pptx
+++ b/Evaluating DDIMs in New Domains.pptx
@@ -5,13 +5,17 @@
     <p:sldMasterId id="2147483648" r:id="rId1"/>
   </p:sldMasterIdLst>
   <p:notesMasterIdLst>
-    <p:notesMasterId r:id="rId6"/>
+    <p:notesMasterId r:id="rId10"/>
   </p:notesMasterIdLst>
   <p:sldIdLst>
     <p:sldId id="256" r:id="rId2"/>
     <p:sldId id="257" r:id="rId3"/>
-    <p:sldId id="258" r:id="rId4"/>
-    <p:sldId id="259" r:id="rId5"/>
+    <p:sldId id="260" r:id="rId4"/>
+    <p:sldId id="261" r:id="rId5"/>
+    <p:sldId id="264" r:id="rId6"/>
+    <p:sldId id="262" r:id="rId7"/>
+    <p:sldId id="263" r:id="rId8"/>
+    <p:sldId id="265" r:id="rId9"/>
   </p:sldIdLst>
   <p:sldSz cx="12192000" cy="6858000"/>
   <p:notesSz cx="6858000" cy="9144000"/>
@@ -565,6 +569,93 @@
     <p:extLst>
       <p:ext uri="{BB962C8B-B14F-4D97-AF65-F5344CB8AC3E}">
         <p14:creationId xmlns:p14="http://schemas.microsoft.com/office/powerpoint/2010/main" val="3409720240"/>
+      </p:ext>
+    </p:extLst>
+  </p:cSld>
+  <p:clrMapOvr>
+    <a:masterClrMapping/>
+  </p:clrMapOvr>
+</p:notes>
+</file>
+
+<file path=ppt/notesSlides/notesSlide2.xml><?xml version="1.0" encoding="utf-8"?>
+<p:notes xmlns:a="http://schemas.openxmlformats.org/drawingml/2006/main" xmlns:r="http://schemas.openxmlformats.org/officeDocument/2006/relationships" xmlns:p="http://schemas.openxmlformats.org/presentationml/2006/main">
+  <p:cSld>
+    <p:spTree>
+      <p:nvGrpSpPr>
+        <p:cNvPr id="1" name=""/>
+        <p:cNvGrpSpPr/>
+        <p:nvPr/>
+      </p:nvGrpSpPr>
+      <p:grpSpPr>
+        <a:xfrm>
+          <a:off x="0" y="0"/>
+          <a:ext cx="0" cy="0"/>
+          <a:chOff x="0" y="0"/>
+          <a:chExt cx="0" cy="0"/>
+        </a:xfrm>
+      </p:grpSpPr>
+      <p:sp>
+        <p:nvSpPr>
+          <p:cNvPr id="2" name="Slide Image Placeholder 1"/>
+          <p:cNvSpPr>
+            <a:spLocks noGrp="1" noRot="1" noChangeAspect="1"/>
+          </p:cNvSpPr>
+          <p:nvPr>
+            <p:ph type="sldImg"/>
+          </p:nvPr>
+        </p:nvSpPr>
+        <p:spPr/>
+      </p:sp>
+      <p:sp>
+        <p:nvSpPr>
+          <p:cNvPr id="3" name="Notes Placeholder 2"/>
+          <p:cNvSpPr>
+            <a:spLocks noGrp="1"/>
+          </p:cNvSpPr>
+          <p:nvPr>
+            <p:ph type="body" idx="1"/>
+          </p:nvPr>
+        </p:nvSpPr>
+        <p:spPr/>
+        <p:txBody>
+          <a:bodyPr/>
+          <a:lstStyle/>
+          <a:p>
+            <a:r>
+              <a:rPr lang="en-US" dirty="0"/>
+              <a:t>MNIST is simpler and has been used much more than Flowers102. </a:t>
+            </a:r>
+          </a:p>
+        </p:txBody>
+      </p:sp>
+      <p:sp>
+        <p:nvSpPr>
+          <p:cNvPr id="4" name="Slide Number Placeholder 3"/>
+          <p:cNvSpPr>
+            <a:spLocks noGrp="1"/>
+          </p:cNvSpPr>
+          <p:nvPr>
+            <p:ph type="sldNum" sz="quarter" idx="5"/>
+          </p:nvPr>
+        </p:nvSpPr>
+        <p:spPr/>
+        <p:txBody>
+          <a:bodyPr/>
+          <a:lstStyle/>
+          <a:p>
+            <a:fld id="{8CD58DCE-95A7-4CB9-A6D8-A46A167DF4A3}" type="slidenum">
+              <a:rPr lang="en-US" smtClean="0"/>
+              <a:t>4</a:t>
+            </a:fld>
+            <a:endParaRPr lang="en-US"/>
+          </a:p>
+        </p:txBody>
+      </p:sp>
+    </p:spTree>
+    <p:extLst>
+      <p:ext uri="{BB962C8B-B14F-4D97-AF65-F5344CB8AC3E}">
+        <p14:creationId xmlns:p14="http://schemas.microsoft.com/office/powerpoint/2010/main" val="1186249169"/>
       </p:ext>
     </p:extLst>
   </p:cSld>
@@ -4080,7 +4171,7 @@
           <p:cNvPr id="2" name="Title 1">
             <a:extLst>
               <a:ext uri="{FF2B5EF4-FFF2-40B4-BE49-F238E27FC236}">
-                <a16:creationId xmlns:a16="http://schemas.microsoft.com/office/drawing/2014/main" id="{6B959041-756B-D888-C9BF-28C98AB6BA2F}"/>
+                <a16:creationId xmlns:a16="http://schemas.microsoft.com/office/drawing/2014/main" id="{2184A109-7931-C361-82FB-3A486C8F75A6}"/>
               </a:ext>
             </a:extLst>
           </p:cNvPr>
@@ -4098,13 +4189,8 @@
           <a:p>
             <a:r>
               <a:rPr lang="en-US" dirty="0"/>
-              <a:t>Experiment 1 – </a:t>
-            </a:r>
-            <a:r>
-              <a:rPr lang="en-US"/>
-              <a:t>Colored Dataset – Flowers</a:t>
-            </a:r>
-            <a:endParaRPr lang="en-US" dirty="0"/>
+              <a:t>WGANs</a:t>
+            </a:r>
           </a:p>
         </p:txBody>
       </p:sp>
@@ -4113,7 +4199,7 @@
           <p:cNvPr id="3" name="Content Placeholder 2">
             <a:extLst>
               <a:ext uri="{FF2B5EF4-FFF2-40B4-BE49-F238E27FC236}">
-                <a16:creationId xmlns:a16="http://schemas.microsoft.com/office/drawing/2014/main" id="{56EC8F36-8FFE-EBC6-C416-111BBECD6C84}"/>
+                <a16:creationId xmlns:a16="http://schemas.microsoft.com/office/drawing/2014/main" id="{92DEC058-BEB4-1562-E8A1-DA1EFCAAD3B6}"/>
               </a:ext>
             </a:extLst>
           </p:cNvPr>
@@ -4129,334 +4215,14 @@
           <a:bodyPr/>
           <a:lstStyle/>
           <a:p>
-            <a:r>
-              <a:rPr lang="en-US" dirty="0"/>
-              <a:t>DDIM</a:t>
-            </a:r>
-          </a:p>
-          <a:p>
-            <a:endParaRPr lang="en-US" dirty="0"/>
-          </a:p>
-          <a:p>
-            <a:endParaRPr lang="en-US" dirty="0"/>
-          </a:p>
-          <a:p>
-            <a:r>
-              <a:rPr lang="en-US" dirty="0"/>
-              <a:t>WGAN</a:t>
-            </a:r>
-          </a:p>
-          <a:p>
-            <a:endParaRPr lang="en-US" dirty="0"/>
-          </a:p>
-          <a:p>
-            <a:pPr lvl="1"/>
-            <a:endParaRPr lang="en-US" dirty="0"/>
-          </a:p>
-        </p:txBody>
-      </p:sp>
-      <p:graphicFrame>
-        <p:nvGraphicFramePr>
-          <p:cNvPr id="7" name="Table 6">
-            <a:extLst>
-              <a:ext uri="{FF2B5EF4-FFF2-40B4-BE49-F238E27FC236}">
-                <a16:creationId xmlns:a16="http://schemas.microsoft.com/office/drawing/2014/main" id="{33F0A1F3-CB0E-F229-30C5-3FF4BDE00756}"/>
-              </a:ext>
-            </a:extLst>
-          </p:cNvPr>
-          <p:cNvGraphicFramePr>
-            <a:graphicFrameLocks noGrp="1"/>
-          </p:cNvGraphicFramePr>
-          <p:nvPr>
-            <p:extLst>
-              <p:ext uri="{D42A27DB-BD31-4B8C-83A1-F6EECF244321}">
-                <p14:modId xmlns:p14="http://schemas.microsoft.com/office/powerpoint/2010/main" val="1687958981"/>
-              </p:ext>
-            </p:extLst>
-          </p:nvPr>
-        </p:nvGraphicFramePr>
-        <p:xfrm>
-          <a:off x="838200" y="2424898"/>
-          <a:ext cx="8127999" cy="741680"/>
-        </p:xfrm>
-        <a:graphic>
-          <a:graphicData uri="http://schemas.openxmlformats.org/drawingml/2006/table">
-            <a:tbl>
-              <a:tblPr firstRow="1" bandRow="1">
-                <a:tableStyleId>{5C22544A-7EE6-4342-B048-85BDC9FD1C3A}</a:tableStyleId>
-              </a:tblPr>
-              <a:tblGrid>
-                <a:gridCol w="2709333">
-                  <a:extLst>
-                    <a:ext uri="{9D8B030D-6E8A-4147-A177-3AD203B41FA5}">
-                      <a16:colId xmlns:a16="http://schemas.microsoft.com/office/drawing/2014/main" val="3909082479"/>
-                    </a:ext>
-                  </a:extLst>
-                </a:gridCol>
-                <a:gridCol w="2709333">
-                  <a:extLst>
-                    <a:ext uri="{9D8B030D-6E8A-4147-A177-3AD203B41FA5}">
-                      <a16:colId xmlns:a16="http://schemas.microsoft.com/office/drawing/2014/main" val="1723363952"/>
-                    </a:ext>
-                  </a:extLst>
-                </a:gridCol>
-                <a:gridCol w="2709333">
-                  <a:extLst>
-                    <a:ext uri="{9D8B030D-6E8A-4147-A177-3AD203B41FA5}">
-                      <a16:colId xmlns:a16="http://schemas.microsoft.com/office/drawing/2014/main" val="635628647"/>
-                    </a:ext>
-                  </a:extLst>
-                </a:gridCol>
-              </a:tblGrid>
-              <a:tr h="370840">
-                <a:tc>
-                  <a:txBody>
-                    <a:bodyPr/>
-                    <a:lstStyle/>
-                    <a:p>
-                      <a:r>
-                        <a:rPr lang="en-US" dirty="0"/>
-                        <a:t>Average Sampling</a:t>
-                      </a:r>
-                    </a:p>
-                  </a:txBody>
-                  <a:tcPr/>
-                </a:tc>
-                <a:tc>
-                  <a:txBody>
-                    <a:bodyPr/>
-                    <a:lstStyle/>
-                    <a:p>
-                      <a:r>
-                        <a:rPr lang="en-US" dirty="0"/>
-                        <a:t>Average Training</a:t>
-                      </a:r>
-                    </a:p>
-                  </a:txBody>
-                  <a:tcPr/>
-                </a:tc>
-                <a:tc>
-                  <a:txBody>
-                    <a:bodyPr/>
-                    <a:lstStyle/>
-                    <a:p>
-                      <a:r>
-                        <a:rPr lang="en-US" dirty="0"/>
-                        <a:t>Minimum KID</a:t>
-                      </a:r>
-                    </a:p>
-                  </a:txBody>
-                  <a:tcPr/>
-                </a:tc>
-                <a:extLst>
-                  <a:ext uri="{0D108BD9-81ED-4DB2-BD59-A6C34878D82A}">
-                    <a16:rowId xmlns:a16="http://schemas.microsoft.com/office/drawing/2014/main" val="384111123"/>
-                  </a:ext>
-                </a:extLst>
-              </a:tr>
-              <a:tr h="370840">
-                <a:tc>
-                  <a:txBody>
-                    <a:bodyPr/>
-                    <a:lstStyle/>
-                    <a:p>
-                      <a:r>
-                        <a:rPr lang="en-US" dirty="0"/>
-                        <a:t>2.19 s</a:t>
-                      </a:r>
-                    </a:p>
-                  </a:txBody>
-                  <a:tcPr/>
-                </a:tc>
-                <a:tc>
-                  <a:txBody>
-                    <a:bodyPr/>
-                    <a:lstStyle/>
-                    <a:p>
-                      <a:r>
-                        <a:rPr lang="en-US" dirty="0"/>
-                        <a:t>44.42 s </a:t>
-                      </a:r>
-                    </a:p>
-                  </a:txBody>
-                  <a:tcPr/>
-                </a:tc>
-                <a:tc>
-                  <a:txBody>
-                    <a:bodyPr/>
-                    <a:lstStyle/>
-                    <a:p>
-                      <a:r>
-                        <a:rPr lang="en-US" dirty="0"/>
-                        <a:t>0.049</a:t>
-                      </a:r>
-                    </a:p>
-                  </a:txBody>
-                  <a:tcPr/>
-                </a:tc>
-                <a:extLst>
-                  <a:ext uri="{0D108BD9-81ED-4DB2-BD59-A6C34878D82A}">
-                    <a16:rowId xmlns:a16="http://schemas.microsoft.com/office/drawing/2014/main" val="3986634991"/>
-                  </a:ext>
-                </a:extLst>
-              </a:tr>
-            </a:tbl>
-          </a:graphicData>
-        </a:graphic>
-      </p:graphicFrame>
-      <p:graphicFrame>
-        <p:nvGraphicFramePr>
-          <p:cNvPr id="5" name="Table 4">
-            <a:extLst>
-              <a:ext uri="{FF2B5EF4-FFF2-40B4-BE49-F238E27FC236}">
-                <a16:creationId xmlns:a16="http://schemas.microsoft.com/office/drawing/2014/main" id="{812FA82E-C4E6-88E2-D26C-ECFF66524400}"/>
-              </a:ext>
-            </a:extLst>
-          </p:cNvPr>
-          <p:cNvGraphicFramePr>
-            <a:graphicFrameLocks noGrp="1"/>
-          </p:cNvGraphicFramePr>
-          <p:nvPr>
-            <p:extLst>
-              <p:ext uri="{D42A27DB-BD31-4B8C-83A1-F6EECF244321}">
-                <p14:modId xmlns:p14="http://schemas.microsoft.com/office/powerpoint/2010/main" val="22406838"/>
-              </p:ext>
-            </p:extLst>
-          </p:nvPr>
-        </p:nvGraphicFramePr>
-        <p:xfrm>
-          <a:off x="838199" y="3930090"/>
-          <a:ext cx="8127999" cy="741680"/>
-        </p:xfrm>
-        <a:graphic>
-          <a:graphicData uri="http://schemas.openxmlformats.org/drawingml/2006/table">
-            <a:tbl>
-              <a:tblPr firstRow="1" bandRow="1">
-                <a:tableStyleId>{5C22544A-7EE6-4342-B048-85BDC9FD1C3A}</a:tableStyleId>
-              </a:tblPr>
-              <a:tblGrid>
-                <a:gridCol w="2709333">
-                  <a:extLst>
-                    <a:ext uri="{9D8B030D-6E8A-4147-A177-3AD203B41FA5}">
-                      <a16:colId xmlns:a16="http://schemas.microsoft.com/office/drawing/2014/main" val="3909082479"/>
-                    </a:ext>
-                  </a:extLst>
-                </a:gridCol>
-                <a:gridCol w="2709333">
-                  <a:extLst>
-                    <a:ext uri="{9D8B030D-6E8A-4147-A177-3AD203B41FA5}">
-                      <a16:colId xmlns:a16="http://schemas.microsoft.com/office/drawing/2014/main" val="1723363952"/>
-                    </a:ext>
-                  </a:extLst>
-                </a:gridCol>
-                <a:gridCol w="2709333">
-                  <a:extLst>
-                    <a:ext uri="{9D8B030D-6E8A-4147-A177-3AD203B41FA5}">
-                      <a16:colId xmlns:a16="http://schemas.microsoft.com/office/drawing/2014/main" val="635628647"/>
-                    </a:ext>
-                  </a:extLst>
-                </a:gridCol>
-              </a:tblGrid>
-              <a:tr h="370840">
-                <a:tc>
-                  <a:txBody>
-                    <a:bodyPr/>
-                    <a:lstStyle/>
-                    <a:p>
-                      <a:r>
-                        <a:rPr lang="en-US" dirty="0"/>
-                        <a:t>Average Sampling</a:t>
-                      </a:r>
-                    </a:p>
-                  </a:txBody>
-                  <a:tcPr/>
-                </a:tc>
-                <a:tc>
-                  <a:txBody>
-                    <a:bodyPr/>
-                    <a:lstStyle/>
-                    <a:p>
-                      <a:r>
-                        <a:rPr lang="en-US" dirty="0"/>
-                        <a:t>Average Training</a:t>
-                      </a:r>
-                    </a:p>
-                  </a:txBody>
-                  <a:tcPr/>
-                </a:tc>
-                <a:tc>
-                  <a:txBody>
-                    <a:bodyPr/>
-                    <a:lstStyle/>
-                    <a:p>
-                      <a:r>
-                        <a:rPr lang="en-US" dirty="0"/>
-                        <a:t>Minimum KID</a:t>
-                      </a:r>
-                    </a:p>
-                  </a:txBody>
-                  <a:tcPr/>
-                </a:tc>
-                <a:extLst>
-                  <a:ext uri="{0D108BD9-81ED-4DB2-BD59-A6C34878D82A}">
-                    <a16:rowId xmlns:a16="http://schemas.microsoft.com/office/drawing/2014/main" val="384111123"/>
-                  </a:ext>
-                </a:extLst>
-              </a:tr>
-              <a:tr h="370840">
-                <a:tc>
-                  <a:txBody>
-                    <a:bodyPr/>
-                    <a:lstStyle/>
-                    <a:p>
-                      <a:r>
-                        <a:rPr lang="en-US" dirty="0"/>
-                        <a:t>2.19 s</a:t>
-                      </a:r>
-                    </a:p>
-                  </a:txBody>
-                  <a:tcPr/>
-                </a:tc>
-                <a:tc>
-                  <a:txBody>
-                    <a:bodyPr/>
-                    <a:lstStyle/>
-                    <a:p>
-                      <a:r>
-                        <a:rPr lang="en-US" dirty="0"/>
-                        <a:t>44.42 s </a:t>
-                      </a:r>
-                    </a:p>
-                  </a:txBody>
-                  <a:tcPr/>
-                </a:tc>
-                <a:tc>
-                  <a:txBody>
-                    <a:bodyPr/>
-                    <a:lstStyle/>
-                    <a:p>
-                      <a:r>
-                        <a:rPr lang="en-US" dirty="0"/>
-                        <a:t>0.049</a:t>
-                      </a:r>
-                    </a:p>
-                  </a:txBody>
-                  <a:tcPr/>
-                </a:tc>
-                <a:extLst>
-                  <a:ext uri="{0D108BD9-81ED-4DB2-BD59-A6C34878D82A}">
-                    <a16:rowId xmlns:a16="http://schemas.microsoft.com/office/drawing/2014/main" val="3986634991"/>
-                  </a:ext>
-                </a:extLst>
-              </a:tr>
-            </a:tbl>
-          </a:graphicData>
-        </a:graphic>
-      </p:graphicFrame>
+            <a:endParaRPr lang="en-US"/>
+          </a:p>
+        </p:txBody>
+      </p:sp>
     </p:spTree>
     <p:extLst>
       <p:ext uri="{BB962C8B-B14F-4D97-AF65-F5344CB8AC3E}">
-        <p14:creationId xmlns:p14="http://schemas.microsoft.com/office/powerpoint/2010/main" val="18002026"/>
+        <p14:creationId xmlns:p14="http://schemas.microsoft.com/office/powerpoint/2010/main" val="3108098365"/>
       </p:ext>
     </p:extLst>
   </p:cSld>
@@ -4488,7 +4254,7 @@
           <p:cNvPr id="2" name="Title 1">
             <a:extLst>
               <a:ext uri="{FF2B5EF4-FFF2-40B4-BE49-F238E27FC236}">
-                <a16:creationId xmlns:a16="http://schemas.microsoft.com/office/drawing/2014/main" id="{139DA421-9B19-7F0A-38CA-002DD3357871}"/>
+                <a16:creationId xmlns:a16="http://schemas.microsoft.com/office/drawing/2014/main" id="{933B9D1B-3169-56D9-1D3B-62B3401C1BC1}"/>
               </a:ext>
             </a:extLst>
           </p:cNvPr>
@@ -4506,7 +4272,7 @@
           <a:p>
             <a:r>
               <a:rPr lang="en-US" dirty="0"/>
-              <a:t>Experiment 2 – Greyscale Dataset</a:t>
+              <a:t>Approach</a:t>
             </a:r>
           </a:p>
         </p:txBody>
@@ -4516,7 +4282,7 @@
           <p:cNvPr id="3" name="Content Placeholder 2">
             <a:extLst>
               <a:ext uri="{FF2B5EF4-FFF2-40B4-BE49-F238E27FC236}">
-                <a16:creationId xmlns:a16="http://schemas.microsoft.com/office/drawing/2014/main" id="{3528A5A7-25CF-AA18-8D01-327628C1CDBE}"/>
+                <a16:creationId xmlns:a16="http://schemas.microsoft.com/office/drawing/2014/main" id="{1CCA48CD-6E5C-A721-0112-A5E7F62724C6}"/>
               </a:ext>
             </a:extLst>
           </p:cNvPr>
@@ -4534,170 +4300,669 @@
           <a:p>
             <a:r>
               <a:rPr lang="en-US" dirty="0"/>
-              <a:t>DDIM</a:t>
-            </a:r>
-          </a:p>
-          <a:p>
-            <a:endParaRPr lang="en-US" dirty="0"/>
-          </a:p>
-          <a:p>
-            <a:endParaRPr lang="en-US" dirty="0"/>
-          </a:p>
-        </p:txBody>
-      </p:sp>
-      <p:graphicFrame>
-        <p:nvGraphicFramePr>
-          <p:cNvPr id="6" name="Table 5">
-            <a:extLst>
-              <a:ext uri="{FF2B5EF4-FFF2-40B4-BE49-F238E27FC236}">
-                <a16:creationId xmlns:a16="http://schemas.microsoft.com/office/drawing/2014/main" id="{EF332FC3-82BE-3C13-EBE2-C3184C05A87A}"/>
-              </a:ext>
-            </a:extLst>
-          </p:cNvPr>
-          <p:cNvGraphicFramePr>
-            <a:graphicFrameLocks noGrp="1"/>
-          </p:cNvGraphicFramePr>
-          <p:nvPr>
-            <p:extLst>
-              <p:ext uri="{D42A27DB-BD31-4B8C-83A1-F6EECF244321}">
-                <p14:modId xmlns:p14="http://schemas.microsoft.com/office/powerpoint/2010/main" val="2420625632"/>
-              </p:ext>
-            </p:extLst>
-          </p:nvPr>
-        </p:nvGraphicFramePr>
-        <p:xfrm>
-          <a:off x="956963" y="2315607"/>
-          <a:ext cx="8127999" cy="741680"/>
-        </p:xfrm>
-        <a:graphic>
-          <a:graphicData uri="http://schemas.openxmlformats.org/drawingml/2006/table">
-            <a:tbl>
-              <a:tblPr firstRow="1" bandRow="1">
-                <a:tableStyleId>{5C22544A-7EE6-4342-B048-85BDC9FD1C3A}</a:tableStyleId>
-              </a:tblPr>
-              <a:tblGrid>
-                <a:gridCol w="2709333">
-                  <a:extLst>
-                    <a:ext uri="{9D8B030D-6E8A-4147-A177-3AD203B41FA5}">
-                      <a16:colId xmlns:a16="http://schemas.microsoft.com/office/drawing/2014/main" val="1612471297"/>
-                    </a:ext>
-                  </a:extLst>
-                </a:gridCol>
-                <a:gridCol w="2709333">
-                  <a:extLst>
-                    <a:ext uri="{9D8B030D-6E8A-4147-A177-3AD203B41FA5}">
-                      <a16:colId xmlns:a16="http://schemas.microsoft.com/office/drawing/2014/main" val="4034898430"/>
-                    </a:ext>
-                  </a:extLst>
-                </a:gridCol>
-                <a:gridCol w="2709333">
-                  <a:extLst>
-                    <a:ext uri="{9D8B030D-6E8A-4147-A177-3AD203B41FA5}">
-                      <a16:colId xmlns:a16="http://schemas.microsoft.com/office/drawing/2014/main" val="4158736585"/>
-                    </a:ext>
-                  </a:extLst>
-                </a:gridCol>
-              </a:tblGrid>
-              <a:tr h="370840">
-                <a:tc>
-                  <a:txBody>
-                    <a:bodyPr/>
-                    <a:lstStyle/>
-                    <a:p>
-                      <a:r>
-                        <a:rPr lang="en-US" dirty="0"/>
-                        <a:t>Average Sampling</a:t>
-                      </a:r>
-                    </a:p>
-                  </a:txBody>
-                  <a:tcPr/>
-                </a:tc>
-                <a:tc>
-                  <a:txBody>
-                    <a:bodyPr/>
-                    <a:lstStyle/>
-                    <a:p>
-                      <a:r>
-                        <a:rPr lang="en-US" dirty="0"/>
-                        <a:t>Average Training</a:t>
-                      </a:r>
-                    </a:p>
-                  </a:txBody>
-                  <a:tcPr/>
-                </a:tc>
-                <a:tc>
-                  <a:txBody>
-                    <a:bodyPr/>
-                    <a:lstStyle/>
-                    <a:p>
-                      <a:r>
-                        <a:rPr lang="en-US" dirty="0"/>
-                        <a:t>Minimum KID</a:t>
-                      </a:r>
-                    </a:p>
-                  </a:txBody>
-                  <a:tcPr/>
-                </a:tc>
-                <a:extLst>
-                  <a:ext uri="{0D108BD9-81ED-4DB2-BD59-A6C34878D82A}">
-                    <a16:rowId xmlns:a16="http://schemas.microsoft.com/office/drawing/2014/main" val="1199087045"/>
-                  </a:ext>
-                </a:extLst>
-              </a:tr>
-              <a:tr h="370840">
-                <a:tc>
-                  <a:txBody>
-                    <a:bodyPr/>
-                    <a:lstStyle/>
-                    <a:p>
-                      <a:r>
-                        <a:rPr lang="en-US" dirty="0"/>
-                        <a:t>2.19 s</a:t>
-                      </a:r>
-                    </a:p>
-                  </a:txBody>
-                  <a:tcPr/>
-                </a:tc>
-                <a:tc>
-                  <a:txBody>
-                    <a:bodyPr/>
-                    <a:lstStyle/>
-                    <a:p>
-                      <a:r>
-                        <a:rPr lang="en-US" dirty="0"/>
-                        <a:t>66.11 ss </a:t>
-                      </a:r>
-                    </a:p>
-                  </a:txBody>
-                  <a:tcPr/>
-                </a:tc>
-                <a:tc>
-                  <a:txBody>
-                    <a:bodyPr/>
-                    <a:lstStyle/>
-                    <a:p>
-                      <a:r>
-                        <a:rPr lang="en-US" dirty="0"/>
-                        <a:t>0.016</a:t>
-                      </a:r>
-                    </a:p>
-                  </a:txBody>
-                  <a:tcPr/>
-                </a:tc>
-                <a:extLst>
-                  <a:ext uri="{0D108BD9-81ED-4DB2-BD59-A6C34878D82A}">
-                    <a16:rowId xmlns:a16="http://schemas.microsoft.com/office/drawing/2014/main" val="4060962425"/>
-                  </a:ext>
-                </a:extLst>
-              </a:tr>
-            </a:tbl>
-          </a:graphicData>
-        </a:graphic>
-      </p:graphicFrame>
+              <a:t>Compare model performance on two datasets</a:t>
+            </a:r>
+          </a:p>
+          <a:p>
+            <a:pPr lvl="1"/>
+            <a:r>
+              <a:rPr lang="en-US" dirty="0"/>
+              <a:t>Flowers102</a:t>
+            </a:r>
+          </a:p>
+          <a:p>
+            <a:pPr lvl="1"/>
+            <a:r>
+              <a:rPr lang="en-US" dirty="0"/>
+              <a:t>MNIST </a:t>
+            </a:r>
+          </a:p>
+          <a:p>
+            <a:r>
+              <a:rPr lang="en-US" dirty="0"/>
+              <a:t>Metrics</a:t>
+            </a:r>
+          </a:p>
+          <a:p>
+            <a:pPr lvl="1"/>
+            <a:r>
+              <a:rPr lang="en-US" dirty="0"/>
+              <a:t>Training time</a:t>
+            </a:r>
+          </a:p>
+          <a:p>
+            <a:pPr lvl="1"/>
+            <a:r>
+              <a:rPr lang="en-US" dirty="0"/>
+              <a:t>Inference time</a:t>
+            </a:r>
+          </a:p>
+          <a:p>
+            <a:pPr lvl="1"/>
+            <a:r>
+              <a:rPr lang="en-US" dirty="0"/>
+              <a:t>KID (Kernel Inception Distance)</a:t>
+            </a:r>
+          </a:p>
+          <a:p>
+            <a:pPr lvl="2"/>
+            <a:r>
+              <a:rPr lang="en-US" dirty="0"/>
+              <a:t>Pass real and generated images thru Inception-v3</a:t>
+            </a:r>
+          </a:p>
+          <a:p>
+            <a:pPr lvl="2"/>
+            <a:r>
+              <a:rPr lang="en-US" dirty="0"/>
+              <a:t>Captures high-level, relevant, semantic features of the images</a:t>
+            </a:r>
+          </a:p>
+        </p:txBody>
+      </p:sp>
+      <p:pic>
+        <p:nvPicPr>
+          <p:cNvPr id="5" name="Picture 4" descr="A collage of different flowers&#10;&#10;AI-generated content may be incorrect.">
+            <a:extLst>
+              <a:ext uri="{FF2B5EF4-FFF2-40B4-BE49-F238E27FC236}">
+                <a16:creationId xmlns:a16="http://schemas.microsoft.com/office/drawing/2014/main" id="{978CB5BE-EED0-385D-EC32-E7BEADAC6674}"/>
+              </a:ext>
+            </a:extLst>
+          </p:cNvPr>
+          <p:cNvPicPr>
+            <a:picLocks noChangeAspect="1"/>
+          </p:cNvPicPr>
+          <p:nvPr/>
+        </p:nvPicPr>
+        <p:blipFill>
+          <a:blip r:embed="rId3">
+            <a:extLst>
+              <a:ext uri="{28A0092B-C50C-407E-A947-70E740481C1C}">
+                <a14:useLocalDpi xmlns:a14="http://schemas.microsoft.com/office/drawing/2010/main" val="0"/>
+              </a:ext>
+            </a:extLst>
+          </a:blip>
+          <a:stretch>
+            <a:fillRect/>
+          </a:stretch>
+        </p:blipFill>
+        <p:spPr>
+          <a:xfrm>
+            <a:off x="9258905" y="56882"/>
+            <a:ext cx="2862488" cy="2862488"/>
+          </a:xfrm>
+          <a:prstGeom prst="rect">
+            <a:avLst/>
+          </a:prstGeom>
+        </p:spPr>
+      </p:pic>
+      <p:pic>
+        <p:nvPicPr>
+          <p:cNvPr id="7" name="Picture 6" descr="A collage of numbers in black squares&#10;&#10;AI-generated content may be incorrect.">
+            <a:extLst>
+              <a:ext uri="{FF2B5EF4-FFF2-40B4-BE49-F238E27FC236}">
+                <a16:creationId xmlns:a16="http://schemas.microsoft.com/office/drawing/2014/main" id="{EBDB478B-433A-E408-51D2-3B4806F05E3F}"/>
+              </a:ext>
+            </a:extLst>
+          </p:cNvPr>
+          <p:cNvPicPr>
+            <a:picLocks noChangeAspect="1"/>
+          </p:cNvPicPr>
+          <p:nvPr/>
+        </p:nvPicPr>
+        <p:blipFill>
+          <a:blip r:embed="rId4">
+            <a:extLst>
+              <a:ext uri="{28A0092B-C50C-407E-A947-70E740481C1C}">
+                <a14:useLocalDpi xmlns:a14="http://schemas.microsoft.com/office/drawing/2010/main" val="0"/>
+              </a:ext>
+            </a:extLst>
+          </a:blip>
+          <a:stretch>
+            <a:fillRect/>
+          </a:stretch>
+        </p:blipFill>
+        <p:spPr>
+          <a:xfrm>
+            <a:off x="9223823" y="3275201"/>
+            <a:ext cx="2932651" cy="2932651"/>
+          </a:xfrm>
+          <a:prstGeom prst="rect">
+            <a:avLst/>
+          </a:prstGeom>
+        </p:spPr>
+      </p:pic>
     </p:spTree>
     <p:extLst>
       <p:ext uri="{BB962C8B-B14F-4D97-AF65-F5344CB8AC3E}">
-        <p14:creationId xmlns:p14="http://schemas.microsoft.com/office/powerpoint/2010/main" val="4046461580"/>
+        <p14:creationId xmlns:p14="http://schemas.microsoft.com/office/powerpoint/2010/main" val="634121783"/>
+      </p:ext>
+    </p:extLst>
+  </p:cSld>
+  <p:clrMapOvr>
+    <a:masterClrMapping/>
+  </p:clrMapOvr>
+</p:sld>
+</file>
+
+<file path=ppt/slides/slide5.xml><?xml version="1.0" encoding="utf-8"?>
+<p:sld xmlns:a="http://schemas.openxmlformats.org/drawingml/2006/main" xmlns:r="http://schemas.openxmlformats.org/officeDocument/2006/relationships" xmlns:p="http://schemas.openxmlformats.org/presentationml/2006/main">
+  <p:cSld>
+    <p:spTree>
+      <p:nvGrpSpPr>
+        <p:cNvPr id="1" name=""/>
+        <p:cNvGrpSpPr/>
+        <p:nvPr/>
+      </p:nvGrpSpPr>
+      <p:grpSpPr>
+        <a:xfrm>
+          <a:off x="0" y="0"/>
+          <a:ext cx="0" cy="0"/>
+          <a:chOff x="0" y="0"/>
+          <a:chExt cx="0" cy="0"/>
+        </a:xfrm>
+      </p:grpSpPr>
+      <p:sp>
+        <p:nvSpPr>
+          <p:cNvPr id="2" name="Title 1">
+            <a:extLst>
+              <a:ext uri="{FF2B5EF4-FFF2-40B4-BE49-F238E27FC236}">
+                <a16:creationId xmlns:a16="http://schemas.microsoft.com/office/drawing/2014/main" id="{DB015EE2-1845-AD1B-D3E4-5D6585437E8E}"/>
+              </a:ext>
+            </a:extLst>
+          </p:cNvPr>
+          <p:cNvSpPr>
+            <a:spLocks noGrp="1"/>
+          </p:cNvSpPr>
+          <p:nvPr>
+            <p:ph type="title"/>
+          </p:nvPr>
+        </p:nvSpPr>
+        <p:spPr/>
+        <p:txBody>
+          <a:bodyPr/>
+          <a:lstStyle/>
+          <a:p>
+            <a:r>
+              <a:rPr lang="en-US" dirty="0"/>
+              <a:t>Findings – Training Time</a:t>
+            </a:r>
+          </a:p>
+        </p:txBody>
+      </p:sp>
+      <p:sp>
+        <p:nvSpPr>
+          <p:cNvPr id="3" name="Content Placeholder 2">
+            <a:extLst>
+              <a:ext uri="{FF2B5EF4-FFF2-40B4-BE49-F238E27FC236}">
+                <a16:creationId xmlns:a16="http://schemas.microsoft.com/office/drawing/2014/main" id="{7705A438-DFFB-6015-FB38-05F715E2D6E8}"/>
+              </a:ext>
+            </a:extLst>
+          </p:cNvPr>
+          <p:cNvSpPr>
+            <a:spLocks noGrp="1"/>
+          </p:cNvSpPr>
+          <p:nvPr>
+            <p:ph idx="1"/>
+          </p:nvPr>
+        </p:nvSpPr>
+        <p:spPr/>
+        <p:txBody>
+          <a:bodyPr/>
+          <a:lstStyle/>
+          <a:p>
+            <a:r>
+              <a:rPr lang="en-US" dirty="0"/>
+              <a:t>Need to think about what were doing here</a:t>
+            </a:r>
+          </a:p>
+        </p:txBody>
+      </p:sp>
+      <p:pic>
+        <p:nvPicPr>
+          <p:cNvPr id="5" name="Picture 4">
+            <a:extLst>
+              <a:ext uri="{FF2B5EF4-FFF2-40B4-BE49-F238E27FC236}">
+                <a16:creationId xmlns:a16="http://schemas.microsoft.com/office/drawing/2014/main" id="{2D0E6C78-BA14-5C79-99A4-CC423DCA7B03}"/>
+              </a:ext>
+            </a:extLst>
+          </p:cNvPr>
+          <p:cNvPicPr>
+            <a:picLocks noChangeAspect="1"/>
+          </p:cNvPicPr>
+          <p:nvPr/>
+        </p:nvPicPr>
+        <p:blipFill>
+          <a:blip r:embed="rId2"/>
+          <a:stretch>
+            <a:fillRect/>
+          </a:stretch>
+        </p:blipFill>
+        <p:spPr>
+          <a:xfrm>
+            <a:off x="3506071" y="3345587"/>
+            <a:ext cx="6220527" cy="2216182"/>
+          </a:xfrm>
+          <a:prstGeom prst="rect">
+            <a:avLst/>
+          </a:prstGeom>
+        </p:spPr>
+      </p:pic>
+    </p:spTree>
+    <p:extLst>
+      <p:ext uri="{BB962C8B-B14F-4D97-AF65-F5344CB8AC3E}">
+        <p14:creationId xmlns:p14="http://schemas.microsoft.com/office/powerpoint/2010/main" val="2402433280"/>
+      </p:ext>
+    </p:extLst>
+  </p:cSld>
+  <p:clrMapOvr>
+    <a:masterClrMapping/>
+  </p:clrMapOvr>
+</p:sld>
+</file>
+
+<file path=ppt/slides/slide6.xml><?xml version="1.0" encoding="utf-8"?>
+<p:sld xmlns:a="http://schemas.openxmlformats.org/drawingml/2006/main" xmlns:r="http://schemas.openxmlformats.org/officeDocument/2006/relationships" xmlns:p="http://schemas.openxmlformats.org/presentationml/2006/main">
+  <p:cSld>
+    <p:spTree>
+      <p:nvGrpSpPr>
+        <p:cNvPr id="1" name=""/>
+        <p:cNvGrpSpPr/>
+        <p:nvPr/>
+      </p:nvGrpSpPr>
+      <p:grpSpPr>
+        <a:xfrm>
+          <a:off x="0" y="0"/>
+          <a:ext cx="0" cy="0"/>
+          <a:chOff x="0" y="0"/>
+          <a:chExt cx="0" cy="0"/>
+        </a:xfrm>
+      </p:grpSpPr>
+      <p:sp>
+        <p:nvSpPr>
+          <p:cNvPr id="2" name="Title 1">
+            <a:extLst>
+              <a:ext uri="{FF2B5EF4-FFF2-40B4-BE49-F238E27FC236}">
+                <a16:creationId xmlns:a16="http://schemas.microsoft.com/office/drawing/2014/main" id="{E1F6DB0F-4E4A-C898-266D-5AE47973BB0C}"/>
+              </a:ext>
+            </a:extLst>
+          </p:cNvPr>
+          <p:cNvSpPr>
+            <a:spLocks noGrp="1"/>
+          </p:cNvSpPr>
+          <p:nvPr>
+            <p:ph type="title"/>
+          </p:nvPr>
+        </p:nvSpPr>
+        <p:spPr/>
+        <p:txBody>
+          <a:bodyPr/>
+          <a:lstStyle/>
+          <a:p>
+            <a:r>
+              <a:rPr lang="en-US" dirty="0"/>
+              <a:t>Finding – Inference Time</a:t>
+            </a:r>
+          </a:p>
+        </p:txBody>
+      </p:sp>
+      <p:sp>
+        <p:nvSpPr>
+          <p:cNvPr id="3" name="Content Placeholder 2">
+            <a:extLst>
+              <a:ext uri="{FF2B5EF4-FFF2-40B4-BE49-F238E27FC236}">
+                <a16:creationId xmlns:a16="http://schemas.microsoft.com/office/drawing/2014/main" id="{5538B3F7-227D-563D-D4C6-ADA2BB50E950}"/>
+              </a:ext>
+            </a:extLst>
+          </p:cNvPr>
+          <p:cNvSpPr>
+            <a:spLocks noGrp="1"/>
+          </p:cNvSpPr>
+          <p:nvPr>
+            <p:ph idx="1"/>
+          </p:nvPr>
+        </p:nvSpPr>
+        <p:spPr>
+          <a:xfrm>
+            <a:off x="838200" y="1825625"/>
+            <a:ext cx="2991830" cy="4351338"/>
+          </a:xfrm>
+        </p:spPr>
+        <p:txBody>
+          <a:bodyPr/>
+          <a:lstStyle/>
+          <a:p>
+            <a:r>
+              <a:rPr lang="en-US" dirty="0"/>
+              <a:t>On average, DDIMs are 6.2x slower w/ inference</a:t>
+            </a:r>
+          </a:p>
+          <a:p>
+            <a:pPr marL="0" indent="0">
+              <a:buNone/>
+            </a:pPr>
+            <a:endParaRPr lang="en-US" dirty="0"/>
+          </a:p>
+          <a:p>
+            <a:r>
+              <a:rPr lang="en-US" dirty="0"/>
+              <a:t>Expected given model architecture</a:t>
+            </a:r>
+          </a:p>
+        </p:txBody>
+      </p:sp>
+      <p:pic>
+        <p:nvPicPr>
+          <p:cNvPr id="5" name="Picture 4">
+            <a:extLst>
+              <a:ext uri="{FF2B5EF4-FFF2-40B4-BE49-F238E27FC236}">
+                <a16:creationId xmlns:a16="http://schemas.microsoft.com/office/drawing/2014/main" id="{81C3F7CF-20EE-E672-B472-4CC6B53BB910}"/>
+              </a:ext>
+            </a:extLst>
+          </p:cNvPr>
+          <p:cNvPicPr>
+            <a:picLocks noChangeAspect="1"/>
+          </p:cNvPicPr>
+          <p:nvPr/>
+        </p:nvPicPr>
+        <p:blipFill>
+          <a:blip r:embed="rId2"/>
+          <a:stretch>
+            <a:fillRect/>
+          </a:stretch>
+        </p:blipFill>
+        <p:spPr>
+          <a:xfrm>
+            <a:off x="3869639" y="1431338"/>
+            <a:ext cx="8111613" cy="4745625"/>
+          </a:xfrm>
+          <a:prstGeom prst="rect">
+            <a:avLst/>
+          </a:prstGeom>
+        </p:spPr>
+      </p:pic>
+    </p:spTree>
+    <p:extLst>
+      <p:ext uri="{BB962C8B-B14F-4D97-AF65-F5344CB8AC3E}">
+        <p14:creationId xmlns:p14="http://schemas.microsoft.com/office/powerpoint/2010/main" val="478222292"/>
+      </p:ext>
+    </p:extLst>
+  </p:cSld>
+  <p:clrMapOvr>
+    <a:masterClrMapping/>
+  </p:clrMapOvr>
+</p:sld>
+</file>
+
+<file path=ppt/slides/slide7.xml><?xml version="1.0" encoding="utf-8"?>
+<p:sld xmlns:a="http://schemas.openxmlformats.org/drawingml/2006/main" xmlns:r="http://schemas.openxmlformats.org/officeDocument/2006/relationships" xmlns:p="http://schemas.openxmlformats.org/presentationml/2006/main">
+  <p:cSld>
+    <p:spTree>
+      <p:nvGrpSpPr>
+        <p:cNvPr id="1" name=""/>
+        <p:cNvGrpSpPr/>
+        <p:nvPr/>
+      </p:nvGrpSpPr>
+      <p:grpSpPr>
+        <a:xfrm>
+          <a:off x="0" y="0"/>
+          <a:ext cx="0" cy="0"/>
+          <a:chOff x="0" y="0"/>
+          <a:chExt cx="0" cy="0"/>
+        </a:xfrm>
+      </p:grpSpPr>
+      <p:sp>
+        <p:nvSpPr>
+          <p:cNvPr id="2" name="Title 1">
+            <a:extLst>
+              <a:ext uri="{FF2B5EF4-FFF2-40B4-BE49-F238E27FC236}">
+                <a16:creationId xmlns:a16="http://schemas.microsoft.com/office/drawing/2014/main" id="{7C3E236B-DC28-A623-27DF-D3E03CC24D7B}"/>
+              </a:ext>
+            </a:extLst>
+          </p:cNvPr>
+          <p:cNvSpPr>
+            <a:spLocks noGrp="1"/>
+          </p:cNvSpPr>
+          <p:nvPr>
+            <p:ph type="title"/>
+          </p:nvPr>
+        </p:nvSpPr>
+        <p:spPr/>
+        <p:txBody>
+          <a:bodyPr/>
+          <a:lstStyle/>
+          <a:p>
+            <a:r>
+              <a:rPr lang="en-US" dirty="0"/>
+              <a:t>Finding – Image Quality using KID</a:t>
+            </a:r>
+          </a:p>
+        </p:txBody>
+      </p:sp>
+      <p:pic>
+        <p:nvPicPr>
+          <p:cNvPr id="9" name="Picture 8">
+            <a:extLst>
+              <a:ext uri="{FF2B5EF4-FFF2-40B4-BE49-F238E27FC236}">
+                <a16:creationId xmlns:a16="http://schemas.microsoft.com/office/drawing/2014/main" id="{462574F3-73AE-9398-DE88-19E8E57054B7}"/>
+              </a:ext>
+            </a:extLst>
+          </p:cNvPr>
+          <p:cNvPicPr>
+            <a:picLocks noChangeAspect="1"/>
+          </p:cNvPicPr>
+          <p:nvPr/>
+        </p:nvPicPr>
+        <p:blipFill>
+          <a:blip r:embed="rId2"/>
+          <a:stretch>
+            <a:fillRect/>
+          </a:stretch>
+        </p:blipFill>
+        <p:spPr>
+          <a:xfrm>
+            <a:off x="573351" y="1577993"/>
+            <a:ext cx="11045298" cy="4004877"/>
+          </a:xfrm>
+          <a:prstGeom prst="rect">
+            <a:avLst/>
+          </a:prstGeom>
+        </p:spPr>
+      </p:pic>
+      <p:sp>
+        <p:nvSpPr>
+          <p:cNvPr id="10" name="TextBox 9">
+            <a:extLst>
+              <a:ext uri="{FF2B5EF4-FFF2-40B4-BE49-F238E27FC236}">
+                <a16:creationId xmlns:a16="http://schemas.microsoft.com/office/drawing/2014/main" id="{011B9AA9-DC60-8473-6FFF-9967839F56DB}"/>
+              </a:ext>
+            </a:extLst>
+          </p:cNvPr>
+          <p:cNvSpPr txBox="1"/>
+          <p:nvPr/>
+        </p:nvSpPr>
+        <p:spPr>
+          <a:xfrm>
+            <a:off x="1879637" y="5768559"/>
+            <a:ext cx="2875243" cy="923330"/>
+          </a:xfrm>
+          <a:prstGeom prst="rect">
+            <a:avLst/>
+          </a:prstGeom>
+          <a:noFill/>
+        </p:spPr>
+        <p:txBody>
+          <a:bodyPr wrap="square" rtlCol="0">
+            <a:spAutoFit/>
+          </a:bodyPr>
+          <a:lstStyle/>
+          <a:p>
+            <a:r>
+              <a:rPr lang="en-US" dirty="0"/>
+              <a:t>Minimum KID</a:t>
+            </a:r>
+          </a:p>
+          <a:p>
+            <a:pPr lvl="1"/>
+            <a:r>
+              <a:rPr lang="en-US" dirty="0"/>
+              <a:t>DDIM: 0.0495</a:t>
+            </a:r>
+          </a:p>
+          <a:p>
+            <a:pPr lvl="1"/>
+            <a:r>
+              <a:rPr lang="en-US" dirty="0"/>
+              <a:t>WGAN: 0.1173</a:t>
+            </a:r>
+          </a:p>
+        </p:txBody>
+      </p:sp>
+      <p:sp>
+        <p:nvSpPr>
+          <p:cNvPr id="15" name="TextBox 14">
+            <a:extLst>
+              <a:ext uri="{FF2B5EF4-FFF2-40B4-BE49-F238E27FC236}">
+                <a16:creationId xmlns:a16="http://schemas.microsoft.com/office/drawing/2014/main" id="{DB01CA37-81DD-7651-A33D-1B153D9F8B8C}"/>
+              </a:ext>
+            </a:extLst>
+          </p:cNvPr>
+          <p:cNvSpPr txBox="1"/>
+          <p:nvPr/>
+        </p:nvSpPr>
+        <p:spPr>
+          <a:xfrm>
+            <a:off x="7701317" y="5816457"/>
+            <a:ext cx="2875243" cy="923330"/>
+          </a:xfrm>
+          <a:prstGeom prst="rect">
+            <a:avLst/>
+          </a:prstGeom>
+          <a:noFill/>
+        </p:spPr>
+        <p:txBody>
+          <a:bodyPr wrap="square" rtlCol="0">
+            <a:spAutoFit/>
+          </a:bodyPr>
+          <a:lstStyle/>
+          <a:p>
+            <a:r>
+              <a:rPr lang="en-US" dirty="0"/>
+              <a:t>Minimum KID</a:t>
+            </a:r>
+          </a:p>
+          <a:p>
+            <a:pPr lvl="1"/>
+            <a:r>
+              <a:rPr lang="en-US" dirty="0"/>
+              <a:t>DDIM: 0.0162</a:t>
+            </a:r>
+          </a:p>
+          <a:p>
+            <a:pPr lvl="1"/>
+            <a:r>
+              <a:rPr lang="en-US" dirty="0"/>
+              <a:t>WGAN: 0.0121</a:t>
+            </a:r>
+          </a:p>
+        </p:txBody>
+      </p:sp>
+    </p:spTree>
+    <p:extLst>
+      <p:ext uri="{BB962C8B-B14F-4D97-AF65-F5344CB8AC3E}">
+        <p14:creationId xmlns:p14="http://schemas.microsoft.com/office/powerpoint/2010/main" val="2112049807"/>
+      </p:ext>
+    </p:extLst>
+  </p:cSld>
+  <p:clrMapOvr>
+    <a:masterClrMapping/>
+  </p:clrMapOvr>
+</p:sld>
+</file>
+
+<file path=ppt/slides/slide8.xml><?xml version="1.0" encoding="utf-8"?>
+<p:sld xmlns:a="http://schemas.openxmlformats.org/drawingml/2006/main" xmlns:r="http://schemas.openxmlformats.org/officeDocument/2006/relationships" xmlns:p="http://schemas.openxmlformats.org/presentationml/2006/main">
+  <p:cSld>
+    <p:spTree>
+      <p:nvGrpSpPr>
+        <p:cNvPr id="1" name=""/>
+        <p:cNvGrpSpPr/>
+        <p:nvPr/>
+      </p:nvGrpSpPr>
+      <p:grpSpPr>
+        <a:xfrm>
+          <a:off x="0" y="0"/>
+          <a:ext cx="0" cy="0"/>
+          <a:chOff x="0" y="0"/>
+          <a:chExt cx="0" cy="0"/>
+        </a:xfrm>
+      </p:grpSpPr>
+      <p:sp>
+        <p:nvSpPr>
+          <p:cNvPr id="2" name="Title 1">
+            <a:extLst>
+              <a:ext uri="{FF2B5EF4-FFF2-40B4-BE49-F238E27FC236}">
+                <a16:creationId xmlns:a16="http://schemas.microsoft.com/office/drawing/2014/main" id="{5A042C14-612E-D812-5D00-0EE0F940E560}"/>
+              </a:ext>
+            </a:extLst>
+          </p:cNvPr>
+          <p:cNvSpPr>
+            <a:spLocks noGrp="1"/>
+          </p:cNvSpPr>
+          <p:nvPr>
+            <p:ph type="title"/>
+          </p:nvPr>
+        </p:nvSpPr>
+        <p:spPr/>
+        <p:txBody>
+          <a:bodyPr/>
+          <a:lstStyle/>
+          <a:p>
+            <a:r>
+              <a:rPr lang="en-US" dirty="0"/>
+              <a:t>Conclusions</a:t>
+            </a:r>
+          </a:p>
+        </p:txBody>
+      </p:sp>
+      <p:sp>
+        <p:nvSpPr>
+          <p:cNvPr id="3" name="Content Placeholder 2">
+            <a:extLst>
+              <a:ext uri="{FF2B5EF4-FFF2-40B4-BE49-F238E27FC236}">
+                <a16:creationId xmlns:a16="http://schemas.microsoft.com/office/drawing/2014/main" id="{0E378F1A-9589-F66E-CFAE-F92418442BA5}"/>
+              </a:ext>
+            </a:extLst>
+          </p:cNvPr>
+          <p:cNvSpPr>
+            <a:spLocks noGrp="1"/>
+          </p:cNvSpPr>
+          <p:nvPr>
+            <p:ph idx="1"/>
+          </p:nvPr>
+        </p:nvSpPr>
+        <p:spPr/>
+        <p:txBody>
+          <a:bodyPr/>
+          <a:lstStyle/>
+          <a:p>
+            <a:r>
+              <a:rPr lang="en-US" dirty="0"/>
+              <a:t>DDIMs take longer and are more complex to implement</a:t>
+            </a:r>
+          </a:p>
+          <a:p>
+            <a:r>
+              <a:rPr lang="en-US" dirty="0"/>
+              <a:t>On more complex datasets, DDIMs are higher quality</a:t>
+            </a:r>
+          </a:p>
+        </p:txBody>
+      </p:sp>
+    </p:spTree>
+    <p:extLst>
+      <p:ext uri="{BB962C8B-B14F-4D97-AF65-F5344CB8AC3E}">
+        <p14:creationId xmlns:p14="http://schemas.microsoft.com/office/powerpoint/2010/main" val="3498948866"/>
       </p:ext>
     </p:extLst>
   </p:cSld>

--- a/Evaluating DDIMs in New Domains.pptx
+++ b/Evaluating DDIMs in New Domains.pptx
@@ -2,7 +2,7 @@
 <file path=ppt/presentation.xml><?xml version="1.0" encoding="utf-8"?>
 <p:presentation xmlns:a="http://schemas.openxmlformats.org/drawingml/2006/main" xmlns:r="http://schemas.openxmlformats.org/officeDocument/2006/relationships" xmlns:p="http://schemas.openxmlformats.org/presentationml/2006/main" saveSubsetFonts="1">
   <p:sldMasterIdLst>
-    <p:sldMasterId id="2147483648" r:id="rId1"/>
+    <p:sldMasterId id="2147483846" r:id="rId1"/>
   </p:sldMasterIdLst>
   <p:notesMasterIdLst>
     <p:notesMasterId r:id="rId10"/>
@@ -204,7 +204,7 @@
           <a:p>
             <a:fld id="{254DE903-8928-4F53-8948-4BEA2CACA4FB}" type="datetimeFigureOut">
               <a:rPr lang="en-US" smtClean="0"/>
-              <a:t>12/3/2025</a:t>
+              <a:t>12/4/2025</a:t>
             </a:fld>
             <a:endParaRPr lang="en-US"/>
           </a:p>
@@ -622,6 +622,90 @@
           <a:bodyPr/>
           <a:lstStyle/>
           <a:p>
+            <a:endParaRPr lang="en-US" dirty="0"/>
+          </a:p>
+        </p:txBody>
+      </p:sp>
+      <p:sp>
+        <p:nvSpPr>
+          <p:cNvPr id="4" name="Slide Number Placeholder 3"/>
+          <p:cNvSpPr>
+            <a:spLocks noGrp="1"/>
+          </p:cNvSpPr>
+          <p:nvPr>
+            <p:ph type="sldNum" sz="quarter" idx="5"/>
+          </p:nvPr>
+        </p:nvSpPr>
+        <p:spPr/>
+        <p:txBody>
+          <a:bodyPr/>
+          <a:lstStyle/>
+          <a:p>
+            <a:fld id="{8CD58DCE-95A7-4CB9-A6D8-A46A167DF4A3}" type="slidenum">
+              <a:rPr lang="en-US" smtClean="0"/>
+              <a:t>3</a:t>
+            </a:fld>
+            <a:endParaRPr lang="en-US"/>
+          </a:p>
+        </p:txBody>
+      </p:sp>
+    </p:spTree>
+    <p:extLst>
+      <p:ext uri="{BB962C8B-B14F-4D97-AF65-F5344CB8AC3E}">
+        <p14:creationId xmlns:p14="http://schemas.microsoft.com/office/powerpoint/2010/main" val="597292638"/>
+      </p:ext>
+    </p:extLst>
+  </p:cSld>
+  <p:clrMapOvr>
+    <a:masterClrMapping/>
+  </p:clrMapOvr>
+</p:notes>
+</file>
+
+<file path=ppt/notesSlides/notesSlide3.xml><?xml version="1.0" encoding="utf-8"?>
+<p:notes xmlns:a="http://schemas.openxmlformats.org/drawingml/2006/main" xmlns:r="http://schemas.openxmlformats.org/officeDocument/2006/relationships" xmlns:p="http://schemas.openxmlformats.org/presentationml/2006/main">
+  <p:cSld>
+    <p:spTree>
+      <p:nvGrpSpPr>
+        <p:cNvPr id="1" name=""/>
+        <p:cNvGrpSpPr/>
+        <p:nvPr/>
+      </p:nvGrpSpPr>
+      <p:grpSpPr>
+        <a:xfrm>
+          <a:off x="0" y="0"/>
+          <a:ext cx="0" cy="0"/>
+          <a:chOff x="0" y="0"/>
+          <a:chExt cx="0" cy="0"/>
+        </a:xfrm>
+      </p:grpSpPr>
+      <p:sp>
+        <p:nvSpPr>
+          <p:cNvPr id="2" name="Slide Image Placeholder 1"/>
+          <p:cNvSpPr>
+            <a:spLocks noGrp="1" noRot="1" noChangeAspect="1"/>
+          </p:cNvSpPr>
+          <p:nvPr>
+            <p:ph type="sldImg"/>
+          </p:nvPr>
+        </p:nvSpPr>
+        <p:spPr/>
+      </p:sp>
+      <p:sp>
+        <p:nvSpPr>
+          <p:cNvPr id="3" name="Notes Placeholder 2"/>
+          <p:cNvSpPr>
+            <a:spLocks noGrp="1"/>
+          </p:cNvSpPr>
+          <p:nvPr>
+            <p:ph type="body" idx="1"/>
+          </p:nvPr>
+        </p:nvSpPr>
+        <p:spPr/>
+        <p:txBody>
+          <a:bodyPr/>
+          <a:lstStyle/>
+          <a:p>
             <a:r>
               <a:rPr lang="en-US" dirty="0"/>
               <a:t>MNIST is simpler and has been used much more than Flowers102. </a:t>
@@ -687,7 +771,7 @@
           <p:cNvPr id="2" name="Title 1">
             <a:extLst>
               <a:ext uri="{FF2B5EF4-FFF2-40B4-BE49-F238E27FC236}">
-                <a16:creationId xmlns:a16="http://schemas.microsoft.com/office/drawing/2014/main" id="{93899BDC-FB06-9C74-3E6E-7580E3D877B6}"/>
+                <a16:creationId xmlns:a16="http://schemas.microsoft.com/office/drawing/2014/main" id="{7695C5ED-DEEF-F2C7-B01A-D7F228472EAF}"/>
               </a:ext>
             </a:extLst>
           </p:cNvPr>
@@ -724,7 +808,7 @@
           <p:cNvPr id="3" name="Subtitle 2">
             <a:extLst>
               <a:ext uri="{FF2B5EF4-FFF2-40B4-BE49-F238E27FC236}">
-                <a16:creationId xmlns:a16="http://schemas.microsoft.com/office/drawing/2014/main" id="{C9A0B7F3-C7C8-153A-721D-A51AE3079E31}"/>
+                <a16:creationId xmlns:a16="http://schemas.microsoft.com/office/drawing/2014/main" id="{20AB1415-C7CA-14FB-56EC-B2CE468A174E}"/>
               </a:ext>
             </a:extLst>
           </p:cNvPr>
@@ -794,7 +878,7 @@
           <p:cNvPr id="4" name="Date Placeholder 3">
             <a:extLst>
               <a:ext uri="{FF2B5EF4-FFF2-40B4-BE49-F238E27FC236}">
-                <a16:creationId xmlns:a16="http://schemas.microsoft.com/office/drawing/2014/main" id="{D7A54156-5997-96B6-BC30-11AFB45EB092}"/>
+                <a16:creationId xmlns:a16="http://schemas.microsoft.com/office/drawing/2014/main" id="{B14CF1C4-6C13-BCE1-322B-355AD3DE6682}"/>
               </a:ext>
             </a:extLst>
           </p:cNvPr>
@@ -812,7 +896,7 @@
           <a:p>
             <a:fld id="{A53D0CF4-1CA0-4C2A-8220-83BA371E72A4}" type="datetimeFigureOut">
               <a:rPr lang="en-US" smtClean="0"/>
-              <a:t>12/3/2025</a:t>
+              <a:t>12/4/2025</a:t>
             </a:fld>
             <a:endParaRPr lang="en-US"/>
           </a:p>
@@ -823,7 +907,7 @@
           <p:cNvPr id="5" name="Footer Placeholder 4">
             <a:extLst>
               <a:ext uri="{FF2B5EF4-FFF2-40B4-BE49-F238E27FC236}">
-                <a16:creationId xmlns:a16="http://schemas.microsoft.com/office/drawing/2014/main" id="{96ED3531-A079-D8CF-3576-EB980F701B93}"/>
+                <a16:creationId xmlns:a16="http://schemas.microsoft.com/office/drawing/2014/main" id="{946C9932-ABAA-DB33-C483-B4E8C7CFE216}"/>
               </a:ext>
             </a:extLst>
           </p:cNvPr>
@@ -848,7 +932,7 @@
           <p:cNvPr id="6" name="Slide Number Placeholder 5">
             <a:extLst>
               <a:ext uri="{FF2B5EF4-FFF2-40B4-BE49-F238E27FC236}">
-                <a16:creationId xmlns:a16="http://schemas.microsoft.com/office/drawing/2014/main" id="{902DED14-F597-FE1A-2B91-F82BDFBC8131}"/>
+                <a16:creationId xmlns:a16="http://schemas.microsoft.com/office/drawing/2014/main" id="{0CFA72C6-AF51-6808-A657-D3F7AA33944B}"/>
               </a:ext>
             </a:extLst>
           </p:cNvPr>
@@ -875,7 +959,7 @@
     </p:spTree>
     <p:extLst>
       <p:ext uri="{BB962C8B-B14F-4D97-AF65-F5344CB8AC3E}">
-        <p14:creationId xmlns:p14="http://schemas.microsoft.com/office/powerpoint/2010/main" val="2898350582"/>
+        <p14:creationId xmlns:p14="http://schemas.microsoft.com/office/powerpoint/2010/main" val="3880507047"/>
       </p:ext>
     </p:extLst>
   </p:cSld>
@@ -907,7 +991,7 @@
           <p:cNvPr id="2" name="Title 1">
             <a:extLst>
               <a:ext uri="{FF2B5EF4-FFF2-40B4-BE49-F238E27FC236}">
-                <a16:creationId xmlns:a16="http://schemas.microsoft.com/office/drawing/2014/main" id="{7EDACE5E-8389-0575-3C72-BE378AFB1F82}"/>
+                <a16:creationId xmlns:a16="http://schemas.microsoft.com/office/drawing/2014/main" id="{A3B2DA70-9818-1AAD-5F4B-E558DD0F143A}"/>
               </a:ext>
             </a:extLst>
           </p:cNvPr>
@@ -935,7 +1019,7 @@
           <p:cNvPr id="3" name="Vertical Text Placeholder 2">
             <a:extLst>
               <a:ext uri="{FF2B5EF4-FFF2-40B4-BE49-F238E27FC236}">
-                <a16:creationId xmlns:a16="http://schemas.microsoft.com/office/drawing/2014/main" id="{6759AF71-B61B-21F4-E452-3F08F4013D14}"/>
+                <a16:creationId xmlns:a16="http://schemas.microsoft.com/office/drawing/2014/main" id="{597C1A53-5CAB-4423-1D9D-56999A67584F}"/>
               </a:ext>
             </a:extLst>
           </p:cNvPr>
@@ -992,7 +1076,7 @@
           <p:cNvPr id="4" name="Date Placeholder 3">
             <a:extLst>
               <a:ext uri="{FF2B5EF4-FFF2-40B4-BE49-F238E27FC236}">
-                <a16:creationId xmlns:a16="http://schemas.microsoft.com/office/drawing/2014/main" id="{72CE30AB-9991-4650-DAD4-2A7F184BD631}"/>
+                <a16:creationId xmlns:a16="http://schemas.microsoft.com/office/drawing/2014/main" id="{C2B3C902-33D3-6707-E32E-A2835FD6011A}"/>
               </a:ext>
             </a:extLst>
           </p:cNvPr>
@@ -1010,7 +1094,7 @@
           <a:p>
             <a:fld id="{A53D0CF4-1CA0-4C2A-8220-83BA371E72A4}" type="datetimeFigureOut">
               <a:rPr lang="en-US" smtClean="0"/>
-              <a:t>12/3/2025</a:t>
+              <a:t>12/4/2025</a:t>
             </a:fld>
             <a:endParaRPr lang="en-US"/>
           </a:p>
@@ -1021,7 +1105,7 @@
           <p:cNvPr id="5" name="Footer Placeholder 4">
             <a:extLst>
               <a:ext uri="{FF2B5EF4-FFF2-40B4-BE49-F238E27FC236}">
-                <a16:creationId xmlns:a16="http://schemas.microsoft.com/office/drawing/2014/main" id="{7CC2023B-F264-51A1-71C6-6088A1B1A1DC}"/>
+                <a16:creationId xmlns:a16="http://schemas.microsoft.com/office/drawing/2014/main" id="{06524CAF-F9D4-43A8-CC62-2175B9953C58}"/>
               </a:ext>
             </a:extLst>
           </p:cNvPr>
@@ -1046,7 +1130,7 @@
           <p:cNvPr id="6" name="Slide Number Placeholder 5">
             <a:extLst>
               <a:ext uri="{FF2B5EF4-FFF2-40B4-BE49-F238E27FC236}">
-                <a16:creationId xmlns:a16="http://schemas.microsoft.com/office/drawing/2014/main" id="{A75DA011-5DBC-1EFE-B4FE-BC568530537E}"/>
+                <a16:creationId xmlns:a16="http://schemas.microsoft.com/office/drawing/2014/main" id="{0DCBC374-5B86-CC61-1B0C-567FE05885EA}"/>
               </a:ext>
             </a:extLst>
           </p:cNvPr>
@@ -1073,7 +1157,7 @@
     </p:spTree>
     <p:extLst>
       <p:ext uri="{BB962C8B-B14F-4D97-AF65-F5344CB8AC3E}">
-        <p14:creationId xmlns:p14="http://schemas.microsoft.com/office/powerpoint/2010/main" val="986064180"/>
+        <p14:creationId xmlns:p14="http://schemas.microsoft.com/office/powerpoint/2010/main" val="316370791"/>
       </p:ext>
     </p:extLst>
   </p:cSld>
@@ -1105,7 +1189,7 @@
           <p:cNvPr id="2" name="Vertical Title 1">
             <a:extLst>
               <a:ext uri="{FF2B5EF4-FFF2-40B4-BE49-F238E27FC236}">
-                <a16:creationId xmlns:a16="http://schemas.microsoft.com/office/drawing/2014/main" id="{23BECA7B-4F0B-21B5-A472-7A8B3134C83F}"/>
+                <a16:creationId xmlns:a16="http://schemas.microsoft.com/office/drawing/2014/main" id="{5F5D4C86-52BB-43F7-A920-227B2E5E9E4D}"/>
               </a:ext>
             </a:extLst>
           </p:cNvPr>
@@ -1138,7 +1222,7 @@
           <p:cNvPr id="3" name="Vertical Text Placeholder 2">
             <a:extLst>
               <a:ext uri="{FF2B5EF4-FFF2-40B4-BE49-F238E27FC236}">
-                <a16:creationId xmlns:a16="http://schemas.microsoft.com/office/drawing/2014/main" id="{9B325FEB-3292-659F-4DA1-59C74902FAED}"/>
+                <a16:creationId xmlns:a16="http://schemas.microsoft.com/office/drawing/2014/main" id="{2078DBC9-E629-0B84-3FE8-3FCCD69ACAC7}"/>
               </a:ext>
             </a:extLst>
           </p:cNvPr>
@@ -1200,7 +1284,7 @@
           <p:cNvPr id="4" name="Date Placeholder 3">
             <a:extLst>
               <a:ext uri="{FF2B5EF4-FFF2-40B4-BE49-F238E27FC236}">
-                <a16:creationId xmlns:a16="http://schemas.microsoft.com/office/drawing/2014/main" id="{0BBAA15D-D40C-C79C-3CD7-9EDDA0A3F0A8}"/>
+                <a16:creationId xmlns:a16="http://schemas.microsoft.com/office/drawing/2014/main" id="{EBB9C791-6F25-2078-8F17-8C0298614731}"/>
               </a:ext>
             </a:extLst>
           </p:cNvPr>
@@ -1218,7 +1302,7 @@
           <a:p>
             <a:fld id="{A53D0CF4-1CA0-4C2A-8220-83BA371E72A4}" type="datetimeFigureOut">
               <a:rPr lang="en-US" smtClean="0"/>
-              <a:t>12/3/2025</a:t>
+              <a:t>12/4/2025</a:t>
             </a:fld>
             <a:endParaRPr lang="en-US"/>
           </a:p>
@@ -1229,7 +1313,7 @@
           <p:cNvPr id="5" name="Footer Placeholder 4">
             <a:extLst>
               <a:ext uri="{FF2B5EF4-FFF2-40B4-BE49-F238E27FC236}">
-                <a16:creationId xmlns:a16="http://schemas.microsoft.com/office/drawing/2014/main" id="{18468B10-0CC0-0EBC-2107-A2741A771809}"/>
+                <a16:creationId xmlns:a16="http://schemas.microsoft.com/office/drawing/2014/main" id="{39EEB4B0-1D5A-4510-162B-B17A36D979BE}"/>
               </a:ext>
             </a:extLst>
           </p:cNvPr>
@@ -1254,7 +1338,7 @@
           <p:cNvPr id="6" name="Slide Number Placeholder 5">
             <a:extLst>
               <a:ext uri="{FF2B5EF4-FFF2-40B4-BE49-F238E27FC236}">
-                <a16:creationId xmlns:a16="http://schemas.microsoft.com/office/drawing/2014/main" id="{5600A9E3-D38C-0267-86C3-01B2BE9F60D7}"/>
+                <a16:creationId xmlns:a16="http://schemas.microsoft.com/office/drawing/2014/main" id="{232E5FE0-4B67-8788-9EDF-1AD48C517B29}"/>
               </a:ext>
             </a:extLst>
           </p:cNvPr>
@@ -1281,7 +1365,7 @@
     </p:spTree>
     <p:extLst>
       <p:ext uri="{BB962C8B-B14F-4D97-AF65-F5344CB8AC3E}">
-        <p14:creationId xmlns:p14="http://schemas.microsoft.com/office/powerpoint/2010/main" val="1846707343"/>
+        <p14:creationId xmlns:p14="http://schemas.microsoft.com/office/powerpoint/2010/main" val="1307444444"/>
       </p:ext>
     </p:extLst>
   </p:cSld>
@@ -1313,7 +1397,7 @@
           <p:cNvPr id="2" name="Title 1">
             <a:extLst>
               <a:ext uri="{FF2B5EF4-FFF2-40B4-BE49-F238E27FC236}">
-                <a16:creationId xmlns:a16="http://schemas.microsoft.com/office/drawing/2014/main" id="{11001B44-60FA-A3F1-422E-27DAB9ABCDFB}"/>
+                <a16:creationId xmlns:a16="http://schemas.microsoft.com/office/drawing/2014/main" id="{D5174CE0-9447-6AD0-2C60-4E67FC73C52E}"/>
               </a:ext>
             </a:extLst>
           </p:cNvPr>
@@ -1341,7 +1425,7 @@
           <p:cNvPr id="3" name="Content Placeholder 2">
             <a:extLst>
               <a:ext uri="{FF2B5EF4-FFF2-40B4-BE49-F238E27FC236}">
-                <a16:creationId xmlns:a16="http://schemas.microsoft.com/office/drawing/2014/main" id="{EE4B0148-8D37-FBCD-11ED-4947EA30A547}"/>
+                <a16:creationId xmlns:a16="http://schemas.microsoft.com/office/drawing/2014/main" id="{8A723AB9-97AD-A5F2-D156-282794D76E02}"/>
               </a:ext>
             </a:extLst>
           </p:cNvPr>
@@ -1398,7 +1482,7 @@
           <p:cNvPr id="4" name="Date Placeholder 3">
             <a:extLst>
               <a:ext uri="{FF2B5EF4-FFF2-40B4-BE49-F238E27FC236}">
-                <a16:creationId xmlns:a16="http://schemas.microsoft.com/office/drawing/2014/main" id="{80459EE7-6784-3109-AA45-56A7826552FA}"/>
+                <a16:creationId xmlns:a16="http://schemas.microsoft.com/office/drawing/2014/main" id="{030831BF-CC03-3BAA-8867-F63B3B84F415}"/>
               </a:ext>
             </a:extLst>
           </p:cNvPr>
@@ -1416,7 +1500,7 @@
           <a:p>
             <a:fld id="{A53D0CF4-1CA0-4C2A-8220-83BA371E72A4}" type="datetimeFigureOut">
               <a:rPr lang="en-US" smtClean="0"/>
-              <a:t>12/3/2025</a:t>
+              <a:t>12/4/2025</a:t>
             </a:fld>
             <a:endParaRPr lang="en-US"/>
           </a:p>
@@ -1427,7 +1511,7 @@
           <p:cNvPr id="5" name="Footer Placeholder 4">
             <a:extLst>
               <a:ext uri="{FF2B5EF4-FFF2-40B4-BE49-F238E27FC236}">
-                <a16:creationId xmlns:a16="http://schemas.microsoft.com/office/drawing/2014/main" id="{43D13203-845D-68A2-29B8-8F066A06FECD}"/>
+                <a16:creationId xmlns:a16="http://schemas.microsoft.com/office/drawing/2014/main" id="{453669D7-1800-DFE0-5553-7EB2047730C7}"/>
               </a:ext>
             </a:extLst>
           </p:cNvPr>
@@ -1452,7 +1536,7 @@
           <p:cNvPr id="6" name="Slide Number Placeholder 5">
             <a:extLst>
               <a:ext uri="{FF2B5EF4-FFF2-40B4-BE49-F238E27FC236}">
-                <a16:creationId xmlns:a16="http://schemas.microsoft.com/office/drawing/2014/main" id="{BB9AC20F-DBD8-A8E8-7100-2D42C9991AA6}"/>
+                <a16:creationId xmlns:a16="http://schemas.microsoft.com/office/drawing/2014/main" id="{F275CF9F-305A-45E0-E481-93D00C2EC27F}"/>
               </a:ext>
             </a:extLst>
           </p:cNvPr>
@@ -1479,7 +1563,7 @@
     </p:spTree>
     <p:extLst>
       <p:ext uri="{BB962C8B-B14F-4D97-AF65-F5344CB8AC3E}">
-        <p14:creationId xmlns:p14="http://schemas.microsoft.com/office/powerpoint/2010/main" val="3031170252"/>
+        <p14:creationId xmlns:p14="http://schemas.microsoft.com/office/powerpoint/2010/main" val="1058398991"/>
       </p:ext>
     </p:extLst>
   </p:cSld>
@@ -1511,7 +1595,7 @@
           <p:cNvPr id="2" name="Title 1">
             <a:extLst>
               <a:ext uri="{FF2B5EF4-FFF2-40B4-BE49-F238E27FC236}">
-                <a16:creationId xmlns:a16="http://schemas.microsoft.com/office/drawing/2014/main" id="{A0DE7F41-7DA6-AF19-8E5C-E2DC31E85A64}"/>
+                <a16:creationId xmlns:a16="http://schemas.microsoft.com/office/drawing/2014/main" id="{A21C9345-42CA-D93E-60D6-04EBDA34A3F7}"/>
               </a:ext>
             </a:extLst>
           </p:cNvPr>
@@ -1548,7 +1632,7 @@
           <p:cNvPr id="3" name="Text Placeholder 2">
             <a:extLst>
               <a:ext uri="{FF2B5EF4-FFF2-40B4-BE49-F238E27FC236}">
-                <a16:creationId xmlns:a16="http://schemas.microsoft.com/office/drawing/2014/main" id="{3F302A06-812E-7CFD-FE85-F5B9DA99CA9C}"/>
+                <a16:creationId xmlns:a16="http://schemas.microsoft.com/office/drawing/2014/main" id="{912BB3B7-A657-DC05-0FFA-3B0AE82C28DD}"/>
               </a:ext>
             </a:extLst>
           </p:cNvPr>
@@ -1673,7 +1757,7 @@
           <p:cNvPr id="4" name="Date Placeholder 3">
             <a:extLst>
               <a:ext uri="{FF2B5EF4-FFF2-40B4-BE49-F238E27FC236}">
-                <a16:creationId xmlns:a16="http://schemas.microsoft.com/office/drawing/2014/main" id="{159BE6C7-68F8-F575-722E-7DBCD23DDA9B}"/>
+                <a16:creationId xmlns:a16="http://schemas.microsoft.com/office/drawing/2014/main" id="{8610B533-A4FF-1F93-B311-4CC59FC0B750}"/>
               </a:ext>
             </a:extLst>
           </p:cNvPr>
@@ -1691,7 +1775,7 @@
           <a:p>
             <a:fld id="{A53D0CF4-1CA0-4C2A-8220-83BA371E72A4}" type="datetimeFigureOut">
               <a:rPr lang="en-US" smtClean="0"/>
-              <a:t>12/3/2025</a:t>
+              <a:t>12/4/2025</a:t>
             </a:fld>
             <a:endParaRPr lang="en-US"/>
           </a:p>
@@ -1702,7 +1786,7 @@
           <p:cNvPr id="5" name="Footer Placeholder 4">
             <a:extLst>
               <a:ext uri="{FF2B5EF4-FFF2-40B4-BE49-F238E27FC236}">
-                <a16:creationId xmlns:a16="http://schemas.microsoft.com/office/drawing/2014/main" id="{FAFB66F2-E9F1-8462-CF00-A6F0419EDC26}"/>
+                <a16:creationId xmlns:a16="http://schemas.microsoft.com/office/drawing/2014/main" id="{2EA9D813-CBC1-E1E8-141B-6D868A829B97}"/>
               </a:ext>
             </a:extLst>
           </p:cNvPr>
@@ -1727,7 +1811,7 @@
           <p:cNvPr id="6" name="Slide Number Placeholder 5">
             <a:extLst>
               <a:ext uri="{FF2B5EF4-FFF2-40B4-BE49-F238E27FC236}">
-                <a16:creationId xmlns:a16="http://schemas.microsoft.com/office/drawing/2014/main" id="{E6AEC434-E786-94FA-1002-69DD8D95CE04}"/>
+                <a16:creationId xmlns:a16="http://schemas.microsoft.com/office/drawing/2014/main" id="{A5366B01-C48C-7687-8D76-B39B2DFFE988}"/>
               </a:ext>
             </a:extLst>
           </p:cNvPr>
@@ -1754,7 +1838,7 @@
     </p:spTree>
     <p:extLst>
       <p:ext uri="{BB962C8B-B14F-4D97-AF65-F5344CB8AC3E}">
-        <p14:creationId xmlns:p14="http://schemas.microsoft.com/office/powerpoint/2010/main" val="2251989026"/>
+        <p14:creationId xmlns:p14="http://schemas.microsoft.com/office/powerpoint/2010/main" val="2492797504"/>
       </p:ext>
     </p:extLst>
   </p:cSld>
@@ -1786,7 +1870,7 @@
           <p:cNvPr id="2" name="Title 1">
             <a:extLst>
               <a:ext uri="{FF2B5EF4-FFF2-40B4-BE49-F238E27FC236}">
-                <a16:creationId xmlns:a16="http://schemas.microsoft.com/office/drawing/2014/main" id="{C2B4C809-8B7E-DA0E-0F7D-F3D53B403035}"/>
+                <a16:creationId xmlns:a16="http://schemas.microsoft.com/office/drawing/2014/main" id="{E1F3AF62-3FBC-0515-C054-76463828D97B}"/>
               </a:ext>
             </a:extLst>
           </p:cNvPr>
@@ -1814,7 +1898,7 @@
           <p:cNvPr id="3" name="Content Placeholder 2">
             <a:extLst>
               <a:ext uri="{FF2B5EF4-FFF2-40B4-BE49-F238E27FC236}">
-                <a16:creationId xmlns:a16="http://schemas.microsoft.com/office/drawing/2014/main" id="{DC8CDB3B-A936-07F5-BD2B-95FCDF3692FD}"/>
+                <a16:creationId xmlns:a16="http://schemas.microsoft.com/office/drawing/2014/main" id="{2977F421-5091-FC99-869A-CE8E66479BF6}"/>
               </a:ext>
             </a:extLst>
           </p:cNvPr>
@@ -1876,7 +1960,7 @@
           <p:cNvPr id="4" name="Content Placeholder 3">
             <a:extLst>
               <a:ext uri="{FF2B5EF4-FFF2-40B4-BE49-F238E27FC236}">
-                <a16:creationId xmlns:a16="http://schemas.microsoft.com/office/drawing/2014/main" id="{F2B19ADC-55BE-507C-9DAE-A3BAEBF40D50}"/>
+                <a16:creationId xmlns:a16="http://schemas.microsoft.com/office/drawing/2014/main" id="{ABC532D0-E1A4-9496-76A1-C01B0167E304}"/>
               </a:ext>
             </a:extLst>
           </p:cNvPr>
@@ -1938,7 +2022,7 @@
           <p:cNvPr id="5" name="Date Placeholder 4">
             <a:extLst>
               <a:ext uri="{FF2B5EF4-FFF2-40B4-BE49-F238E27FC236}">
-                <a16:creationId xmlns:a16="http://schemas.microsoft.com/office/drawing/2014/main" id="{D28062A0-74DC-2907-605A-5B20CDE9F3E5}"/>
+                <a16:creationId xmlns:a16="http://schemas.microsoft.com/office/drawing/2014/main" id="{8627B683-5E59-F29E-2FAC-68CB9DEC1025}"/>
               </a:ext>
             </a:extLst>
           </p:cNvPr>
@@ -1956,7 +2040,7 @@
           <a:p>
             <a:fld id="{A53D0CF4-1CA0-4C2A-8220-83BA371E72A4}" type="datetimeFigureOut">
               <a:rPr lang="en-US" smtClean="0"/>
-              <a:t>12/3/2025</a:t>
+              <a:t>12/4/2025</a:t>
             </a:fld>
             <a:endParaRPr lang="en-US"/>
           </a:p>
@@ -1967,7 +2051,7 @@
           <p:cNvPr id="6" name="Footer Placeholder 5">
             <a:extLst>
               <a:ext uri="{FF2B5EF4-FFF2-40B4-BE49-F238E27FC236}">
-                <a16:creationId xmlns:a16="http://schemas.microsoft.com/office/drawing/2014/main" id="{BB752D7C-B29B-4132-4FCA-19F1BC26F8C9}"/>
+                <a16:creationId xmlns:a16="http://schemas.microsoft.com/office/drawing/2014/main" id="{88C7B25C-FC01-547F-68A7-E1F9119DACEE}"/>
               </a:ext>
             </a:extLst>
           </p:cNvPr>
@@ -1992,7 +2076,7 @@
           <p:cNvPr id="7" name="Slide Number Placeholder 6">
             <a:extLst>
               <a:ext uri="{FF2B5EF4-FFF2-40B4-BE49-F238E27FC236}">
-                <a16:creationId xmlns:a16="http://schemas.microsoft.com/office/drawing/2014/main" id="{91EF1968-BF37-92B1-2D3F-B7D0D25AA1EB}"/>
+                <a16:creationId xmlns:a16="http://schemas.microsoft.com/office/drawing/2014/main" id="{4DB39161-2275-45F2-640D-3ED71BEF23F4}"/>
               </a:ext>
             </a:extLst>
           </p:cNvPr>
@@ -2019,7 +2103,7 @@
     </p:spTree>
     <p:extLst>
       <p:ext uri="{BB962C8B-B14F-4D97-AF65-F5344CB8AC3E}">
-        <p14:creationId xmlns:p14="http://schemas.microsoft.com/office/powerpoint/2010/main" val="376420022"/>
+        <p14:creationId xmlns:p14="http://schemas.microsoft.com/office/powerpoint/2010/main" val="3200824450"/>
       </p:ext>
     </p:extLst>
   </p:cSld>
@@ -2051,7 +2135,7 @@
           <p:cNvPr id="2" name="Title 1">
             <a:extLst>
               <a:ext uri="{FF2B5EF4-FFF2-40B4-BE49-F238E27FC236}">
-                <a16:creationId xmlns:a16="http://schemas.microsoft.com/office/drawing/2014/main" id="{BADAECD5-7EB5-3B31-2076-7345A7B1FB8B}"/>
+                <a16:creationId xmlns:a16="http://schemas.microsoft.com/office/drawing/2014/main" id="{9E709D74-A252-DB35-9B9F-E62649FDEC16}"/>
               </a:ext>
             </a:extLst>
           </p:cNvPr>
@@ -2084,7 +2168,7 @@
           <p:cNvPr id="3" name="Text Placeholder 2">
             <a:extLst>
               <a:ext uri="{FF2B5EF4-FFF2-40B4-BE49-F238E27FC236}">
-                <a16:creationId xmlns:a16="http://schemas.microsoft.com/office/drawing/2014/main" id="{9B308D66-B8E2-A3B9-142A-1D63DB19CFBD}"/>
+                <a16:creationId xmlns:a16="http://schemas.microsoft.com/office/drawing/2014/main" id="{292A7BE4-5E07-091F-5A04-8D15747023DF}"/>
               </a:ext>
             </a:extLst>
           </p:cNvPr>
@@ -2155,7 +2239,7 @@
           <p:cNvPr id="4" name="Content Placeholder 3">
             <a:extLst>
               <a:ext uri="{FF2B5EF4-FFF2-40B4-BE49-F238E27FC236}">
-                <a16:creationId xmlns:a16="http://schemas.microsoft.com/office/drawing/2014/main" id="{72FD7A4B-A66C-6ABE-0E50-9BF0C4CA8B4F}"/>
+                <a16:creationId xmlns:a16="http://schemas.microsoft.com/office/drawing/2014/main" id="{31752A74-C8C0-78ED-F27B-3269292F2750}"/>
               </a:ext>
             </a:extLst>
           </p:cNvPr>
@@ -2217,7 +2301,7 @@
           <p:cNvPr id="5" name="Text Placeholder 4">
             <a:extLst>
               <a:ext uri="{FF2B5EF4-FFF2-40B4-BE49-F238E27FC236}">
-                <a16:creationId xmlns:a16="http://schemas.microsoft.com/office/drawing/2014/main" id="{38005F75-8EDE-EDD0-0092-47F64B0790ED}"/>
+                <a16:creationId xmlns:a16="http://schemas.microsoft.com/office/drawing/2014/main" id="{02728700-6BE3-18AA-E056-ECF8ED00AF33}"/>
               </a:ext>
             </a:extLst>
           </p:cNvPr>
@@ -2288,7 +2372,7 @@
           <p:cNvPr id="6" name="Content Placeholder 5">
             <a:extLst>
               <a:ext uri="{FF2B5EF4-FFF2-40B4-BE49-F238E27FC236}">
-                <a16:creationId xmlns:a16="http://schemas.microsoft.com/office/drawing/2014/main" id="{510A3B5B-9C4A-138E-058C-19DD2EF6BEC6}"/>
+                <a16:creationId xmlns:a16="http://schemas.microsoft.com/office/drawing/2014/main" id="{50FEF3EF-CA9A-2C1D-0D96-BCC7C7F70140}"/>
               </a:ext>
             </a:extLst>
           </p:cNvPr>
@@ -2350,7 +2434,7 @@
           <p:cNvPr id="7" name="Date Placeholder 6">
             <a:extLst>
               <a:ext uri="{FF2B5EF4-FFF2-40B4-BE49-F238E27FC236}">
-                <a16:creationId xmlns:a16="http://schemas.microsoft.com/office/drawing/2014/main" id="{97485679-4462-3D59-A18A-56893E11250A}"/>
+                <a16:creationId xmlns:a16="http://schemas.microsoft.com/office/drawing/2014/main" id="{D51A1560-3D16-5966-4FB1-6FA058F3A643}"/>
               </a:ext>
             </a:extLst>
           </p:cNvPr>
@@ -2368,7 +2452,7 @@
           <a:p>
             <a:fld id="{A53D0CF4-1CA0-4C2A-8220-83BA371E72A4}" type="datetimeFigureOut">
               <a:rPr lang="en-US" smtClean="0"/>
-              <a:t>12/3/2025</a:t>
+              <a:t>12/4/2025</a:t>
             </a:fld>
             <a:endParaRPr lang="en-US"/>
           </a:p>
@@ -2379,7 +2463,7 @@
           <p:cNvPr id="8" name="Footer Placeholder 7">
             <a:extLst>
               <a:ext uri="{FF2B5EF4-FFF2-40B4-BE49-F238E27FC236}">
-                <a16:creationId xmlns:a16="http://schemas.microsoft.com/office/drawing/2014/main" id="{2AD81132-AD5C-2D29-0F9C-E52A5BED2F8C}"/>
+                <a16:creationId xmlns:a16="http://schemas.microsoft.com/office/drawing/2014/main" id="{AF809922-0945-C1D0-0B88-EA53B849FE36}"/>
               </a:ext>
             </a:extLst>
           </p:cNvPr>
@@ -2404,7 +2488,7 @@
           <p:cNvPr id="9" name="Slide Number Placeholder 8">
             <a:extLst>
               <a:ext uri="{FF2B5EF4-FFF2-40B4-BE49-F238E27FC236}">
-                <a16:creationId xmlns:a16="http://schemas.microsoft.com/office/drawing/2014/main" id="{CA787062-75B5-A16C-E34B-851E906D9D26}"/>
+                <a16:creationId xmlns:a16="http://schemas.microsoft.com/office/drawing/2014/main" id="{A3ECFE66-6D6E-3462-DA3B-E20A407BD8B2}"/>
               </a:ext>
             </a:extLst>
           </p:cNvPr>
@@ -2431,7 +2515,7 @@
     </p:spTree>
     <p:extLst>
       <p:ext uri="{BB962C8B-B14F-4D97-AF65-F5344CB8AC3E}">
-        <p14:creationId xmlns:p14="http://schemas.microsoft.com/office/powerpoint/2010/main" val="1556455506"/>
+        <p14:creationId xmlns:p14="http://schemas.microsoft.com/office/powerpoint/2010/main" val="4261239516"/>
       </p:ext>
     </p:extLst>
   </p:cSld>
@@ -2463,7 +2547,7 @@
           <p:cNvPr id="2" name="Title 1">
             <a:extLst>
               <a:ext uri="{FF2B5EF4-FFF2-40B4-BE49-F238E27FC236}">
-                <a16:creationId xmlns:a16="http://schemas.microsoft.com/office/drawing/2014/main" id="{6F1B555A-F91D-C15A-0818-A75F7742F6C8}"/>
+                <a16:creationId xmlns:a16="http://schemas.microsoft.com/office/drawing/2014/main" id="{E944C34E-BA15-8497-7537-00C0D6FEB975}"/>
               </a:ext>
             </a:extLst>
           </p:cNvPr>
@@ -2491,7 +2575,7 @@
           <p:cNvPr id="3" name="Date Placeholder 2">
             <a:extLst>
               <a:ext uri="{FF2B5EF4-FFF2-40B4-BE49-F238E27FC236}">
-                <a16:creationId xmlns:a16="http://schemas.microsoft.com/office/drawing/2014/main" id="{95E7EA42-20E5-CB4D-2A16-A6A9C1B0692D}"/>
+                <a16:creationId xmlns:a16="http://schemas.microsoft.com/office/drawing/2014/main" id="{C7E8AED4-99C0-5049-D2DE-B0A450360092}"/>
               </a:ext>
             </a:extLst>
           </p:cNvPr>
@@ -2509,7 +2593,7 @@
           <a:p>
             <a:fld id="{A53D0CF4-1CA0-4C2A-8220-83BA371E72A4}" type="datetimeFigureOut">
               <a:rPr lang="en-US" smtClean="0"/>
-              <a:t>12/3/2025</a:t>
+              <a:t>12/4/2025</a:t>
             </a:fld>
             <a:endParaRPr lang="en-US"/>
           </a:p>
@@ -2520,7 +2604,7 @@
           <p:cNvPr id="4" name="Footer Placeholder 3">
             <a:extLst>
               <a:ext uri="{FF2B5EF4-FFF2-40B4-BE49-F238E27FC236}">
-                <a16:creationId xmlns:a16="http://schemas.microsoft.com/office/drawing/2014/main" id="{3061D85D-2CAE-A63A-9F84-BEE2B25AC449}"/>
+                <a16:creationId xmlns:a16="http://schemas.microsoft.com/office/drawing/2014/main" id="{B91A673A-5329-6D2A-4167-E76384463A2E}"/>
               </a:ext>
             </a:extLst>
           </p:cNvPr>
@@ -2545,7 +2629,7 @@
           <p:cNvPr id="5" name="Slide Number Placeholder 4">
             <a:extLst>
               <a:ext uri="{FF2B5EF4-FFF2-40B4-BE49-F238E27FC236}">
-                <a16:creationId xmlns:a16="http://schemas.microsoft.com/office/drawing/2014/main" id="{154A54C9-E0C3-662B-5816-58F2A65759E6}"/>
+                <a16:creationId xmlns:a16="http://schemas.microsoft.com/office/drawing/2014/main" id="{0B28EAF8-11EF-F996-2181-6F55B3647FB9}"/>
               </a:ext>
             </a:extLst>
           </p:cNvPr>
@@ -2572,7 +2656,7 @@
     </p:spTree>
     <p:extLst>
       <p:ext uri="{BB962C8B-B14F-4D97-AF65-F5344CB8AC3E}">
-        <p14:creationId xmlns:p14="http://schemas.microsoft.com/office/powerpoint/2010/main" val="4031715183"/>
+        <p14:creationId xmlns:p14="http://schemas.microsoft.com/office/powerpoint/2010/main" val="650641131"/>
       </p:ext>
     </p:extLst>
   </p:cSld>
@@ -2604,7 +2688,7 @@
           <p:cNvPr id="2" name="Date Placeholder 1">
             <a:extLst>
               <a:ext uri="{FF2B5EF4-FFF2-40B4-BE49-F238E27FC236}">
-                <a16:creationId xmlns:a16="http://schemas.microsoft.com/office/drawing/2014/main" id="{AF258C5C-24B1-15F9-F90F-418B2BD2CE43}"/>
+                <a16:creationId xmlns:a16="http://schemas.microsoft.com/office/drawing/2014/main" id="{309634A3-EEA4-2BB8-8989-0D4FF8F97332}"/>
               </a:ext>
             </a:extLst>
           </p:cNvPr>
@@ -2622,7 +2706,7 @@
           <a:p>
             <a:fld id="{A53D0CF4-1CA0-4C2A-8220-83BA371E72A4}" type="datetimeFigureOut">
               <a:rPr lang="en-US" smtClean="0"/>
-              <a:t>12/3/2025</a:t>
+              <a:t>12/4/2025</a:t>
             </a:fld>
             <a:endParaRPr lang="en-US"/>
           </a:p>
@@ -2633,7 +2717,7 @@
           <p:cNvPr id="3" name="Footer Placeholder 2">
             <a:extLst>
               <a:ext uri="{FF2B5EF4-FFF2-40B4-BE49-F238E27FC236}">
-                <a16:creationId xmlns:a16="http://schemas.microsoft.com/office/drawing/2014/main" id="{21C6F60F-F5D0-F446-B94D-302411D3ACA5}"/>
+                <a16:creationId xmlns:a16="http://schemas.microsoft.com/office/drawing/2014/main" id="{A23A4095-0AE3-D1DE-1332-1CBC61847D1A}"/>
               </a:ext>
             </a:extLst>
           </p:cNvPr>
@@ -2658,7 +2742,7 @@
           <p:cNvPr id="4" name="Slide Number Placeholder 3">
             <a:extLst>
               <a:ext uri="{FF2B5EF4-FFF2-40B4-BE49-F238E27FC236}">
-                <a16:creationId xmlns:a16="http://schemas.microsoft.com/office/drawing/2014/main" id="{29D55487-E7CC-B6D1-400D-B9CDC3A3B0E5}"/>
+                <a16:creationId xmlns:a16="http://schemas.microsoft.com/office/drawing/2014/main" id="{22D87D6C-C241-0B83-4454-054395AA7A50}"/>
               </a:ext>
             </a:extLst>
           </p:cNvPr>
@@ -2685,7 +2769,7 @@
     </p:spTree>
     <p:extLst>
       <p:ext uri="{BB962C8B-B14F-4D97-AF65-F5344CB8AC3E}">
-        <p14:creationId xmlns:p14="http://schemas.microsoft.com/office/powerpoint/2010/main" val="2119732962"/>
+        <p14:creationId xmlns:p14="http://schemas.microsoft.com/office/powerpoint/2010/main" val="2614072905"/>
       </p:ext>
     </p:extLst>
   </p:cSld>
@@ -2717,7 +2801,7 @@
           <p:cNvPr id="2" name="Title 1">
             <a:extLst>
               <a:ext uri="{FF2B5EF4-FFF2-40B4-BE49-F238E27FC236}">
-                <a16:creationId xmlns:a16="http://schemas.microsoft.com/office/drawing/2014/main" id="{D834A0FF-B923-01D9-1AB1-9953CE1C0AB3}"/>
+                <a16:creationId xmlns:a16="http://schemas.microsoft.com/office/drawing/2014/main" id="{D3C1AD1B-CA9E-B32D-E6F5-EA7F971102A9}"/>
               </a:ext>
             </a:extLst>
           </p:cNvPr>
@@ -2754,7 +2838,7 @@
           <p:cNvPr id="3" name="Content Placeholder 2">
             <a:extLst>
               <a:ext uri="{FF2B5EF4-FFF2-40B4-BE49-F238E27FC236}">
-                <a16:creationId xmlns:a16="http://schemas.microsoft.com/office/drawing/2014/main" id="{51A4FD5D-4234-81C4-25C5-D1DE14C7A6B2}"/>
+                <a16:creationId xmlns:a16="http://schemas.microsoft.com/office/drawing/2014/main" id="{DC4769A2-59AB-618E-F8BA-4DE689D0BF7B}"/>
               </a:ext>
             </a:extLst>
           </p:cNvPr>
@@ -2844,7 +2928,7 @@
           <p:cNvPr id="4" name="Text Placeholder 3">
             <a:extLst>
               <a:ext uri="{FF2B5EF4-FFF2-40B4-BE49-F238E27FC236}">
-                <a16:creationId xmlns:a16="http://schemas.microsoft.com/office/drawing/2014/main" id="{545F8EC6-F762-2E8C-F360-C27C8A1BBDDF}"/>
+                <a16:creationId xmlns:a16="http://schemas.microsoft.com/office/drawing/2014/main" id="{C8389B99-9289-DC9A-C6F6-787A10D8B364}"/>
               </a:ext>
             </a:extLst>
           </p:cNvPr>
@@ -2915,7 +2999,7 @@
           <p:cNvPr id="5" name="Date Placeholder 4">
             <a:extLst>
               <a:ext uri="{FF2B5EF4-FFF2-40B4-BE49-F238E27FC236}">
-                <a16:creationId xmlns:a16="http://schemas.microsoft.com/office/drawing/2014/main" id="{A009DEC0-762E-4B67-DE1C-727001EB04E0}"/>
+                <a16:creationId xmlns:a16="http://schemas.microsoft.com/office/drawing/2014/main" id="{05590204-A047-F5DB-0A26-87BDB0DE9236}"/>
               </a:ext>
             </a:extLst>
           </p:cNvPr>
@@ -2933,7 +3017,7 @@
           <a:p>
             <a:fld id="{A53D0CF4-1CA0-4C2A-8220-83BA371E72A4}" type="datetimeFigureOut">
               <a:rPr lang="en-US" smtClean="0"/>
-              <a:t>12/3/2025</a:t>
+              <a:t>12/4/2025</a:t>
             </a:fld>
             <a:endParaRPr lang="en-US"/>
           </a:p>
@@ -2944,7 +3028,7 @@
           <p:cNvPr id="6" name="Footer Placeholder 5">
             <a:extLst>
               <a:ext uri="{FF2B5EF4-FFF2-40B4-BE49-F238E27FC236}">
-                <a16:creationId xmlns:a16="http://schemas.microsoft.com/office/drawing/2014/main" id="{EA23D342-AD60-FB44-C8A5-A5BD4F30DD78}"/>
+                <a16:creationId xmlns:a16="http://schemas.microsoft.com/office/drawing/2014/main" id="{8AB70ADA-E3CB-BEAB-2352-AB7B6E4E83ED}"/>
               </a:ext>
             </a:extLst>
           </p:cNvPr>
@@ -2969,7 +3053,7 @@
           <p:cNvPr id="7" name="Slide Number Placeholder 6">
             <a:extLst>
               <a:ext uri="{FF2B5EF4-FFF2-40B4-BE49-F238E27FC236}">
-                <a16:creationId xmlns:a16="http://schemas.microsoft.com/office/drawing/2014/main" id="{ADA1C5AC-114E-1E1E-210C-DCB0F1F8FB5B}"/>
+                <a16:creationId xmlns:a16="http://schemas.microsoft.com/office/drawing/2014/main" id="{4904BF01-0AFC-F3D4-648E-79D7B43739EF}"/>
               </a:ext>
             </a:extLst>
           </p:cNvPr>
@@ -2996,7 +3080,7 @@
     </p:spTree>
     <p:extLst>
       <p:ext uri="{BB962C8B-B14F-4D97-AF65-F5344CB8AC3E}">
-        <p14:creationId xmlns:p14="http://schemas.microsoft.com/office/powerpoint/2010/main" val="343058263"/>
+        <p14:creationId xmlns:p14="http://schemas.microsoft.com/office/powerpoint/2010/main" val="4062819138"/>
       </p:ext>
     </p:extLst>
   </p:cSld>
@@ -3028,7 +3112,7 @@
           <p:cNvPr id="2" name="Title 1">
             <a:extLst>
               <a:ext uri="{FF2B5EF4-FFF2-40B4-BE49-F238E27FC236}">
-                <a16:creationId xmlns:a16="http://schemas.microsoft.com/office/drawing/2014/main" id="{6FDA98E0-5A7C-1C74-20A9-8104F73201F0}"/>
+                <a16:creationId xmlns:a16="http://schemas.microsoft.com/office/drawing/2014/main" id="{8D3ACE22-3520-9D43-467C-510A4EFA00DB}"/>
               </a:ext>
             </a:extLst>
           </p:cNvPr>
@@ -3065,7 +3149,7 @@
           <p:cNvPr id="3" name="Picture Placeholder 2">
             <a:extLst>
               <a:ext uri="{FF2B5EF4-FFF2-40B4-BE49-F238E27FC236}">
-                <a16:creationId xmlns:a16="http://schemas.microsoft.com/office/drawing/2014/main" id="{284F73F4-C1C2-260A-54E3-42727CBE2019}"/>
+                <a16:creationId xmlns:a16="http://schemas.microsoft.com/office/drawing/2014/main" id="{3FED5ECC-22AF-7152-B2C1-FD667A642E4D}"/>
               </a:ext>
             </a:extLst>
           </p:cNvPr>
@@ -3132,7 +3216,7 @@
           <p:cNvPr id="4" name="Text Placeholder 3">
             <a:extLst>
               <a:ext uri="{FF2B5EF4-FFF2-40B4-BE49-F238E27FC236}">
-                <a16:creationId xmlns:a16="http://schemas.microsoft.com/office/drawing/2014/main" id="{5E3D36EA-4C17-DE16-F28F-7EC2286059A8}"/>
+                <a16:creationId xmlns:a16="http://schemas.microsoft.com/office/drawing/2014/main" id="{D97E276B-F5A8-FB65-1E13-EB586E8EC301}"/>
               </a:ext>
             </a:extLst>
           </p:cNvPr>
@@ -3203,7 +3287,7 @@
           <p:cNvPr id="5" name="Date Placeholder 4">
             <a:extLst>
               <a:ext uri="{FF2B5EF4-FFF2-40B4-BE49-F238E27FC236}">
-                <a16:creationId xmlns:a16="http://schemas.microsoft.com/office/drawing/2014/main" id="{AFC203E9-E270-3A62-844E-67D49ABE9748}"/>
+                <a16:creationId xmlns:a16="http://schemas.microsoft.com/office/drawing/2014/main" id="{BC32FE33-CBA7-9268-B23F-FDA592ECEDD4}"/>
               </a:ext>
             </a:extLst>
           </p:cNvPr>
@@ -3221,7 +3305,7 @@
           <a:p>
             <a:fld id="{A53D0CF4-1CA0-4C2A-8220-83BA371E72A4}" type="datetimeFigureOut">
               <a:rPr lang="en-US" smtClean="0"/>
-              <a:t>12/3/2025</a:t>
+              <a:t>12/4/2025</a:t>
             </a:fld>
             <a:endParaRPr lang="en-US"/>
           </a:p>
@@ -3232,7 +3316,7 @@
           <p:cNvPr id="6" name="Footer Placeholder 5">
             <a:extLst>
               <a:ext uri="{FF2B5EF4-FFF2-40B4-BE49-F238E27FC236}">
-                <a16:creationId xmlns:a16="http://schemas.microsoft.com/office/drawing/2014/main" id="{198F8A0A-99D1-640E-E869-A04962F52BB6}"/>
+                <a16:creationId xmlns:a16="http://schemas.microsoft.com/office/drawing/2014/main" id="{FE4A5CBB-E101-7865-3F1A-3BB9E0B6A2AB}"/>
               </a:ext>
             </a:extLst>
           </p:cNvPr>
@@ -3257,7 +3341,7 @@
           <p:cNvPr id="7" name="Slide Number Placeholder 6">
             <a:extLst>
               <a:ext uri="{FF2B5EF4-FFF2-40B4-BE49-F238E27FC236}">
-                <a16:creationId xmlns:a16="http://schemas.microsoft.com/office/drawing/2014/main" id="{DE9AFA6A-9058-5058-3749-CAAF66EA6C8E}"/>
+                <a16:creationId xmlns:a16="http://schemas.microsoft.com/office/drawing/2014/main" id="{5B15FF26-C2A3-0566-7C0A-5369205E6352}"/>
               </a:ext>
             </a:extLst>
           </p:cNvPr>
@@ -3284,7 +3368,7 @@
     </p:spTree>
     <p:extLst>
       <p:ext uri="{BB962C8B-B14F-4D97-AF65-F5344CB8AC3E}">
-        <p14:creationId xmlns:p14="http://schemas.microsoft.com/office/powerpoint/2010/main" val="3427783273"/>
+        <p14:creationId xmlns:p14="http://schemas.microsoft.com/office/powerpoint/2010/main" val="65252617"/>
       </p:ext>
     </p:extLst>
   </p:cSld>
@@ -3321,7 +3405,7 @@
           <p:cNvPr id="2" name="Title Placeholder 1">
             <a:extLst>
               <a:ext uri="{FF2B5EF4-FFF2-40B4-BE49-F238E27FC236}">
-                <a16:creationId xmlns:a16="http://schemas.microsoft.com/office/drawing/2014/main" id="{36472E9F-2C9C-7E12-BF59-E82D253BC259}"/>
+                <a16:creationId xmlns:a16="http://schemas.microsoft.com/office/drawing/2014/main" id="{DE5A4D83-1B5B-EE71-AD2F-357097E7729B}"/>
               </a:ext>
             </a:extLst>
           </p:cNvPr>
@@ -3359,7 +3443,7 @@
           <p:cNvPr id="3" name="Text Placeholder 2">
             <a:extLst>
               <a:ext uri="{FF2B5EF4-FFF2-40B4-BE49-F238E27FC236}">
-                <a16:creationId xmlns:a16="http://schemas.microsoft.com/office/drawing/2014/main" id="{2B4BA0D7-5ABF-3165-6A1A-9B306404CB86}"/>
+                <a16:creationId xmlns:a16="http://schemas.microsoft.com/office/drawing/2014/main" id="{4B71DCCF-71C8-25B3-F593-C65278AEBF72}"/>
               </a:ext>
             </a:extLst>
           </p:cNvPr>
@@ -3426,7 +3510,7 @@
           <p:cNvPr id="4" name="Date Placeholder 3">
             <a:extLst>
               <a:ext uri="{FF2B5EF4-FFF2-40B4-BE49-F238E27FC236}">
-                <a16:creationId xmlns:a16="http://schemas.microsoft.com/office/drawing/2014/main" id="{9BF8D1DF-7A20-37A9-2AA9-36BDAE501CCF}"/>
+                <a16:creationId xmlns:a16="http://schemas.microsoft.com/office/drawing/2014/main" id="{64593FA7-E301-286F-4032-BE1D19F9064A}"/>
               </a:ext>
             </a:extLst>
           </p:cNvPr>
@@ -3462,7 +3546,7 @@
           <a:p>
             <a:fld id="{A53D0CF4-1CA0-4C2A-8220-83BA371E72A4}" type="datetimeFigureOut">
               <a:rPr lang="en-US" smtClean="0"/>
-              <a:t>12/3/2025</a:t>
+              <a:t>12/4/2025</a:t>
             </a:fld>
             <a:endParaRPr lang="en-US"/>
           </a:p>
@@ -3473,7 +3557,7 @@
           <p:cNvPr id="5" name="Footer Placeholder 4">
             <a:extLst>
               <a:ext uri="{FF2B5EF4-FFF2-40B4-BE49-F238E27FC236}">
-                <a16:creationId xmlns:a16="http://schemas.microsoft.com/office/drawing/2014/main" id="{4E1702EB-5EBB-9A24-12CC-3ECEE51E3785}"/>
+                <a16:creationId xmlns:a16="http://schemas.microsoft.com/office/drawing/2014/main" id="{C5F8B988-0F25-884C-3BC6-B85A0BC3A544}"/>
               </a:ext>
             </a:extLst>
           </p:cNvPr>
@@ -3516,7 +3600,7 @@
           <p:cNvPr id="6" name="Slide Number Placeholder 5">
             <a:extLst>
               <a:ext uri="{FF2B5EF4-FFF2-40B4-BE49-F238E27FC236}">
-                <a16:creationId xmlns:a16="http://schemas.microsoft.com/office/drawing/2014/main" id="{DB266D03-8A05-F77C-9D7E-63DE0526314A}"/>
+                <a16:creationId xmlns:a16="http://schemas.microsoft.com/office/drawing/2014/main" id="{DB90F413-EAC0-873C-6583-440EC9D22866}"/>
               </a:ext>
             </a:extLst>
           </p:cNvPr>
@@ -3561,23 +3645,23 @@
     </p:spTree>
     <p:extLst>
       <p:ext uri="{BB962C8B-B14F-4D97-AF65-F5344CB8AC3E}">
-        <p14:creationId xmlns:p14="http://schemas.microsoft.com/office/powerpoint/2010/main" val="2129245296"/>
+        <p14:creationId xmlns:p14="http://schemas.microsoft.com/office/powerpoint/2010/main" val="663877249"/>
       </p:ext>
     </p:extLst>
   </p:cSld>
   <p:clrMap bg1="lt1" tx1="dk1" bg2="lt2" tx2="dk2" accent1="accent1" accent2="accent2" accent3="accent3" accent4="accent4" accent5="accent5" accent6="accent6" hlink="hlink" folHlink="folHlink"/>
   <p:sldLayoutIdLst>
-    <p:sldLayoutId id="2147483649" r:id="rId1"/>
-    <p:sldLayoutId id="2147483650" r:id="rId2"/>
-    <p:sldLayoutId id="2147483651" r:id="rId3"/>
-    <p:sldLayoutId id="2147483652" r:id="rId4"/>
-    <p:sldLayoutId id="2147483653" r:id="rId5"/>
-    <p:sldLayoutId id="2147483654" r:id="rId6"/>
-    <p:sldLayoutId id="2147483655" r:id="rId7"/>
-    <p:sldLayoutId id="2147483656" r:id="rId8"/>
-    <p:sldLayoutId id="2147483657" r:id="rId9"/>
-    <p:sldLayoutId id="2147483658" r:id="rId10"/>
-    <p:sldLayoutId id="2147483659" r:id="rId11"/>
+    <p:sldLayoutId id="2147483847" r:id="rId1"/>
+    <p:sldLayoutId id="2147483848" r:id="rId2"/>
+    <p:sldLayoutId id="2147483849" r:id="rId3"/>
+    <p:sldLayoutId id="2147483850" r:id="rId4"/>
+    <p:sldLayoutId id="2147483851" r:id="rId5"/>
+    <p:sldLayoutId id="2147483852" r:id="rId6"/>
+    <p:sldLayoutId id="2147483853" r:id="rId7"/>
+    <p:sldLayoutId id="2147483854" r:id="rId8"/>
+    <p:sldLayoutId id="2147483855" r:id="rId9"/>
+    <p:sldLayoutId id="2147483856" r:id="rId10"/>
+    <p:sldLayoutId id="2147483857" r:id="rId11"/>
   </p:sldLayoutIdLst>
   <p:txStyles>
     <p:titleStyle>
@@ -4017,7 +4101,9 @@
         </p:nvSpPr>
         <p:spPr/>
         <p:txBody>
-          <a:bodyPr/>
+          <a:bodyPr>
+            <a:normAutofit/>
+          </a:bodyPr>
           <a:lstStyle/>
           <a:p>
             <a:pPr>
@@ -4210,12 +4296,166 @@
             <p:ph idx="1"/>
           </p:nvPr>
         </p:nvSpPr>
-        <p:spPr/>
-        <p:txBody>
-          <a:bodyPr/>
-          <a:lstStyle/>
-          <a:p>
-            <a:endParaRPr lang="en-US"/>
+        <p:spPr>
+          <a:xfrm>
+            <a:off x="838200" y="1877877"/>
+            <a:ext cx="6304569" cy="1105680"/>
+          </a:xfrm>
+        </p:spPr>
+        <p:txBody>
+          <a:bodyPr/>
+          <a:lstStyle/>
+          <a:p>
+            <a:r>
+              <a:rPr lang="en-US" dirty="0"/>
+              <a:t>Wasserstein Generative Adversarial Networks</a:t>
+            </a:r>
+          </a:p>
+        </p:txBody>
+      </p:sp>
+      <p:pic>
+        <p:nvPicPr>
+          <p:cNvPr id="5" name="Picture 4">
+            <a:extLst>
+              <a:ext uri="{FF2B5EF4-FFF2-40B4-BE49-F238E27FC236}">
+                <a16:creationId xmlns:a16="http://schemas.microsoft.com/office/drawing/2014/main" id="{CA2F9A18-A1A3-B365-38D2-876D939E5AB6}"/>
+              </a:ext>
+            </a:extLst>
+          </p:cNvPr>
+          <p:cNvPicPr>
+            <a:picLocks noChangeAspect="1"/>
+          </p:cNvPicPr>
+          <p:nvPr/>
+        </p:nvPicPr>
+        <p:blipFill>
+          <a:blip r:embed="rId3"/>
+          <a:srcRect l="8645" t="6230" b="8385"/>
+          <a:stretch>
+            <a:fillRect/>
+          </a:stretch>
+        </p:blipFill>
+        <p:spPr>
+          <a:xfrm>
+            <a:off x="6704715" y="146304"/>
+            <a:ext cx="5471188" cy="2837253"/>
+          </a:xfrm>
+          <a:prstGeom prst="rect">
+            <a:avLst/>
+          </a:prstGeom>
+        </p:spPr>
+      </p:pic>
+      <p:sp>
+        <p:nvSpPr>
+          <p:cNvPr id="6" name="TextBox 5">
+            <a:extLst>
+              <a:ext uri="{FF2B5EF4-FFF2-40B4-BE49-F238E27FC236}">
+                <a16:creationId xmlns:a16="http://schemas.microsoft.com/office/drawing/2014/main" id="{D7B03592-01CC-ECE9-7BD4-5FA429C42410}"/>
+              </a:ext>
+            </a:extLst>
+          </p:cNvPr>
+          <p:cNvSpPr txBox="1"/>
+          <p:nvPr/>
+        </p:nvSpPr>
+        <p:spPr>
+          <a:xfrm>
+            <a:off x="838200" y="2905533"/>
+            <a:ext cx="10899648" cy="4318362"/>
+          </a:xfrm>
+          <a:prstGeom prst="rect">
+            <a:avLst/>
+          </a:prstGeom>
+          <a:noFill/>
+        </p:spPr>
+        <p:txBody>
+          <a:bodyPr wrap="square" rtlCol="0">
+            <a:spAutoFit/>
+          </a:bodyPr>
+          <a:lstStyle/>
+          <a:p>
+            <a:pPr marL="285750" indent="-285750">
+              <a:lnSpc>
+                <a:spcPct val="200000"/>
+              </a:lnSpc>
+              <a:buFont typeface="Arial" panose="020B0604020202020204" pitchFamily="34" charset="0"/>
+              <a:buChar char="•"/>
+            </a:pPr>
+            <a:r>
+              <a:rPr lang="en-US" sz="2000" dirty="0"/>
+              <a:t>An evolution from plain GANs, targeting mode collapse/training instability</a:t>
+            </a:r>
+          </a:p>
+          <a:p>
+            <a:pPr marL="285750" indent="-285750">
+              <a:lnSpc>
+                <a:spcPct val="200000"/>
+              </a:lnSpc>
+              <a:buFont typeface="Arial" panose="020B0604020202020204" pitchFamily="34" charset="0"/>
+              <a:buChar char="•"/>
+            </a:pPr>
+            <a:r>
+              <a:rPr lang="en-US" sz="2000" dirty="0"/>
+              <a:t>Steps</a:t>
+            </a:r>
+          </a:p>
+          <a:p>
+            <a:pPr marL="742950" lvl="1" indent="-285750">
+              <a:lnSpc>
+                <a:spcPct val="200000"/>
+              </a:lnSpc>
+              <a:buFont typeface="Arial" panose="020B0604020202020204" pitchFamily="34" charset="0"/>
+              <a:buChar char="•"/>
+            </a:pPr>
+            <a:r>
+              <a:rPr lang="en-US" sz="2000" dirty="0"/>
+              <a:t>Critic: Grade images via WGAN loss function</a:t>
+            </a:r>
+          </a:p>
+          <a:p>
+            <a:pPr marL="742950" lvl="1" indent="-285750">
+              <a:lnSpc>
+                <a:spcPct val="200000"/>
+              </a:lnSpc>
+              <a:buFont typeface="Arial" panose="020B0604020202020204" pitchFamily="34" charset="0"/>
+              <a:buChar char="•"/>
+            </a:pPr>
+            <a:r>
+              <a:rPr lang="en-US" sz="2000" dirty="0"/>
+              <a:t>Generator: Create images that Critic rates highly</a:t>
+            </a:r>
+          </a:p>
+          <a:p>
+            <a:pPr marL="285750" indent="-285750">
+              <a:lnSpc>
+                <a:spcPct val="200000"/>
+              </a:lnSpc>
+              <a:buFont typeface="Arial" panose="020B0604020202020204" pitchFamily="34" charset="0"/>
+              <a:buChar char="•"/>
+            </a:pPr>
+            <a:r>
+              <a:rPr lang="en-US" sz="2000" dirty="0"/>
+              <a:t>Discriminator is more useful in WGANs</a:t>
+            </a:r>
+          </a:p>
+          <a:p>
+            <a:pPr marL="285750" indent="-285750">
+              <a:lnSpc>
+                <a:spcPct val="200000"/>
+              </a:lnSpc>
+              <a:buFont typeface="Arial" panose="020B0604020202020204" pitchFamily="34" charset="0"/>
+              <a:buChar char="•"/>
+            </a:pPr>
+            <a:r>
+              <a:rPr lang="en-US" sz="2000" dirty="0"/>
+              <a:t>Quicker training &amp; inference times w/ quality images</a:t>
+            </a:r>
+          </a:p>
+          <a:p>
+            <a:pPr>
+              <a:lnSpc>
+                <a:spcPct val="200000"/>
+              </a:lnSpc>
+            </a:pPr>
+            <a:endParaRPr lang="en-US" sz="2000" dirty="0"/>
           </a:p>
         </p:txBody>
       </p:sp>
@@ -4295,7 +4535,9 @@
         </p:nvSpPr>
         <p:spPr/>
         <p:txBody>
-          <a:bodyPr/>
+          <a:bodyPr>
+            <a:normAutofit/>
+          </a:bodyPr>
           <a:lstStyle/>
           <a:p>
             <a:r>
